--- a/문서/화면 설계서 정의/메인페이지 강지수.pptx
+++ b/문서/화면 설계서 정의/메인페이지 강지수.pptx
@@ -5,11 +5,12 @@
     <p:sldMasterId id="2147483672" r:id="rId1"/>
   </p:sldMasterIdLst>
   <p:notesMasterIdLst>
-    <p:notesMasterId r:id="rId4"/>
+    <p:notesMasterId r:id="rId5"/>
   </p:notesMasterIdLst>
   <p:sldIdLst>
     <p:sldId id="256" r:id="rId2"/>
-    <p:sldId id="257" r:id="rId3"/>
+    <p:sldId id="258" r:id="rId3"/>
+    <p:sldId id="257" r:id="rId4"/>
   </p:sldIdLst>
   <p:sldSz cx="6858000" cy="9144000" type="screen4x3"/>
   <p:notesSz cx="6858000" cy="9144000"/>
@@ -569,6 +570,114 @@
         <p:cNvPr id="1" name="">
           <a:extLst>
             <a:ext uri="{FF2B5EF4-FFF2-40B4-BE49-F238E27FC236}">
+              <a16:creationId xmlns:a16="http://schemas.microsoft.com/office/drawing/2014/main" id="{4B9B4AEC-9106-26A9-4764-105E22DC5478}"/>
+            </a:ext>
+          </a:extLst>
+        </p:cNvPr>
+        <p:cNvGrpSpPr/>
+        <p:nvPr/>
+      </p:nvGrpSpPr>
+      <p:grpSpPr>
+        <a:xfrm>
+          <a:off x="0" y="0"/>
+          <a:ext cx="0" cy="0"/>
+          <a:chOff x="0" y="0"/>
+          <a:chExt cx="0" cy="0"/>
+        </a:xfrm>
+      </p:grpSpPr>
+      <p:sp>
+        <p:nvSpPr>
+          <p:cNvPr id="2" name="슬라이드 이미지 개체 틀 1">
+            <a:extLst>
+              <a:ext uri="{FF2B5EF4-FFF2-40B4-BE49-F238E27FC236}">
+                <a16:creationId xmlns:a16="http://schemas.microsoft.com/office/drawing/2014/main" id="{C799D493-9A79-E686-B6BA-484390271C2B}"/>
+              </a:ext>
+            </a:extLst>
+          </p:cNvPr>
+          <p:cNvSpPr>
+            <a:spLocks noGrp="1" noRot="1" noChangeAspect="1"/>
+          </p:cNvSpPr>
+          <p:nvPr>
+            <p:ph type="sldImg"/>
+          </p:nvPr>
+        </p:nvSpPr>
+        <p:spPr/>
+      </p:sp>
+      <p:sp>
+        <p:nvSpPr>
+          <p:cNvPr id="3" name="슬라이드 노트 개체 틀 2">
+            <a:extLst>
+              <a:ext uri="{FF2B5EF4-FFF2-40B4-BE49-F238E27FC236}">
+                <a16:creationId xmlns:a16="http://schemas.microsoft.com/office/drawing/2014/main" id="{607ABD17-1805-17CC-5A34-DDFC6BC449A8}"/>
+              </a:ext>
+            </a:extLst>
+          </p:cNvPr>
+          <p:cNvSpPr>
+            <a:spLocks noGrp="1"/>
+          </p:cNvSpPr>
+          <p:nvPr>
+            <p:ph type="body" idx="1"/>
+          </p:nvPr>
+        </p:nvSpPr>
+        <p:spPr/>
+        <p:txBody>
+          <a:bodyPr/>
+          <a:lstStyle/>
+          <a:p>
+            <a:endParaRPr lang="ko-KR" altLang="en-US" dirty="0"/>
+          </a:p>
+        </p:txBody>
+      </p:sp>
+      <p:sp>
+        <p:nvSpPr>
+          <p:cNvPr id="4" name="슬라이드 번호 개체 틀 3">
+            <a:extLst>
+              <a:ext uri="{FF2B5EF4-FFF2-40B4-BE49-F238E27FC236}">
+                <a16:creationId xmlns:a16="http://schemas.microsoft.com/office/drawing/2014/main" id="{E54983E1-22F7-0CDB-633C-E8074E51EE66}"/>
+              </a:ext>
+            </a:extLst>
+          </p:cNvPr>
+          <p:cNvSpPr>
+            <a:spLocks noGrp="1"/>
+          </p:cNvSpPr>
+          <p:nvPr>
+            <p:ph type="sldNum" sz="quarter" idx="5"/>
+          </p:nvPr>
+        </p:nvSpPr>
+        <p:spPr/>
+        <p:txBody>
+          <a:bodyPr/>
+          <a:lstStyle/>
+          <a:p>
+            <a:fld id="{FB76F5C0-75C1-484D-88FB-9870F6D4BA45}" type="slidenum">
+              <a:rPr lang="ko-KR" altLang="en-US" smtClean="0"/>
+              <a:t>2</a:t>
+            </a:fld>
+            <a:endParaRPr lang="ko-KR" altLang="en-US"/>
+          </a:p>
+        </p:txBody>
+      </p:sp>
+    </p:spTree>
+    <p:extLst>
+      <p:ext uri="{BB962C8B-B14F-4D97-AF65-F5344CB8AC3E}">
+        <p14:creationId xmlns:p14="http://schemas.microsoft.com/office/powerpoint/2010/main" val="838541236"/>
+      </p:ext>
+    </p:extLst>
+  </p:cSld>
+  <p:clrMapOvr>
+    <a:masterClrMapping/>
+  </p:clrMapOvr>
+</p:notes>
+</file>
+
+<file path=ppt/notesSlides/notesSlide3.xml><?xml version="1.0" encoding="utf-8"?>
+<p:notes xmlns:a="http://schemas.openxmlformats.org/drawingml/2006/main" xmlns:r="http://schemas.openxmlformats.org/officeDocument/2006/relationships" xmlns:p="http://schemas.openxmlformats.org/presentationml/2006/main">
+  <p:cSld>
+    <p:spTree>
+      <p:nvGrpSpPr>
+        <p:cNvPr id="1" name="">
+          <a:extLst>
+            <a:ext uri="{FF2B5EF4-FFF2-40B4-BE49-F238E27FC236}">
               <a16:creationId xmlns:a16="http://schemas.microsoft.com/office/drawing/2014/main" id="{CA96A1C1-E03D-B0A3-CE9D-5382836772D7}"/>
             </a:ext>
           </a:extLst>
@@ -650,7 +759,7 @@
           <a:p>
             <a:fld id="{FB76F5C0-75C1-484D-88FB-9870F6D4BA45}" type="slidenum">
               <a:rPr lang="ko-KR" altLang="en-US" smtClean="0"/>
-              <a:t>2</a:t>
+              <a:t>3</a:t>
             </a:fld>
             <a:endParaRPr lang="ko-KR" altLang="en-US"/>
           </a:p>
@@ -3665,53 +3774,6 @@
           </a:p>
         </p:txBody>
       </p:sp>
-      <p:pic>
-        <p:nvPicPr>
-          <p:cNvPr id="1046" name="Picture 22" descr="Thỏa mãn đam mê vẽ tranh Game nghệ thuật qua Splash Art">
-            <a:extLst>
-              <a:ext uri="{FF2B5EF4-FFF2-40B4-BE49-F238E27FC236}">
-                <a16:creationId xmlns:a16="http://schemas.microsoft.com/office/drawing/2014/main" id="{5046083B-319C-4AF9-EDA7-DDAF324363E1}"/>
-              </a:ext>
-            </a:extLst>
-          </p:cNvPr>
-          <p:cNvPicPr>
-            <a:picLocks noChangeAspect="1" noChangeArrowheads="1"/>
-          </p:cNvPicPr>
-          <p:nvPr/>
-        </p:nvPicPr>
-        <p:blipFill>
-          <a:blip r:embed="rId3">
-            <a:extLst>
-              <a:ext uri="{28A0092B-C50C-407E-A947-70E740481C1C}">
-                <a14:useLocalDpi xmlns:a14="http://schemas.microsoft.com/office/drawing/2010/main" val="0"/>
-              </a:ext>
-            </a:extLst>
-          </a:blip>
-          <a:srcRect/>
-          <a:stretch>
-            <a:fillRect/>
-          </a:stretch>
-        </p:blipFill>
-        <p:spPr bwMode="auto">
-          <a:xfrm>
-            <a:off x="0" y="853088"/>
-            <a:ext cx="6858000" cy="1944962"/>
-          </a:xfrm>
-          <a:prstGeom prst="rect">
-            <a:avLst/>
-          </a:prstGeom>
-          <a:noFill/>
-          <a:extLst>
-            <a:ext uri="{909E8E84-426E-40DD-AFC4-6F175D3DCCD1}">
-              <a14:hiddenFill xmlns:a14="http://schemas.microsoft.com/office/drawing/2010/main">
-                <a:solidFill>
-                  <a:srgbClr val="FFFFFF"/>
-                </a:solidFill>
-              </a14:hiddenFill>
-            </a:ext>
-          </a:extLst>
-        </p:spPr>
-      </p:pic>
       <p:sp>
         <p:nvSpPr>
           <p:cNvPr id="12" name="사각형: 둥근 모서리 11">
@@ -4016,7 +4078,7 @@
           <p:nvPr/>
         </p:nvPicPr>
         <p:blipFill>
-          <a:blip r:embed="rId4">
+          <a:blip r:embed="rId3">
             <a:extLst>
               <a:ext uri="{28A0092B-C50C-407E-A947-70E740481C1C}">
                 <a14:useLocalDpi xmlns:a14="http://schemas.microsoft.com/office/drawing/2010/main" val="0"/>
@@ -4050,53 +4112,6 @@
       </p:pic>
       <p:sp>
         <p:nvSpPr>
-          <p:cNvPr id="16" name="TextBox 15">
-            <a:extLst>
-              <a:ext uri="{FF2B5EF4-FFF2-40B4-BE49-F238E27FC236}">
-                <a16:creationId xmlns:a16="http://schemas.microsoft.com/office/drawing/2014/main" id="{488217DC-A285-6D84-9EB5-963F50218152}"/>
-              </a:ext>
-            </a:extLst>
-          </p:cNvPr>
-          <p:cNvSpPr txBox="1"/>
-          <p:nvPr/>
-        </p:nvSpPr>
-        <p:spPr>
-          <a:xfrm>
-            <a:off x="381418" y="1670184"/>
-            <a:ext cx="2841174" cy="646331"/>
-          </a:xfrm>
-          <a:prstGeom prst="rect">
-            <a:avLst/>
-          </a:prstGeom>
-          <a:noFill/>
-        </p:spPr>
-        <p:txBody>
-          <a:bodyPr wrap="square" rtlCol="0">
-            <a:spAutoFit/>
-          </a:bodyPr>
-          <a:lstStyle/>
-          <a:p>
-            <a:r>
-              <a:rPr lang="en-US" altLang="ko-KR" sz="3600" dirty="0">
-                <a:solidFill>
-                  <a:schemeClr val="bg1"/>
-                </a:solidFill>
-              </a:rPr>
-              <a:t>HYJW</a:t>
-            </a:r>
-            <a:r>
-              <a:rPr lang="ko-KR" altLang="en-US" sz="3600" dirty="0">
-                <a:solidFill>
-                  <a:schemeClr val="bg1"/>
-                </a:solidFill>
-              </a:rPr>
-              <a:t>게시판</a:t>
-            </a:r>
-          </a:p>
-        </p:txBody>
-      </p:sp>
-      <p:sp>
-        <p:nvSpPr>
           <p:cNvPr id="40" name="사각형: 둥근 모서리 39">
             <a:extLst>
               <a:ext uri="{FF2B5EF4-FFF2-40B4-BE49-F238E27FC236}">
@@ -4251,7 +4266,7 @@
           <p:nvPr/>
         </p:nvPicPr>
         <p:blipFill>
-          <a:blip r:embed="rId5">
+          <a:blip r:embed="rId4">
             <a:extLst>
               <a:ext uri="{28A0092B-C50C-407E-A947-70E740481C1C}">
                 <a14:useLocalDpi xmlns:a14="http://schemas.microsoft.com/office/drawing/2010/main" val="0"/>
@@ -4390,7 +4405,7 @@
           <p:nvPr/>
         </p:nvPicPr>
         <p:blipFill>
-          <a:blip r:embed="rId6">
+          <a:blip r:embed="rId5">
             <a:extLst>
               <a:ext uri="{28A0092B-C50C-407E-A947-70E740481C1C}">
                 <a14:useLocalDpi xmlns:a14="http://schemas.microsoft.com/office/drawing/2010/main" val="0"/>
@@ -5161,7 +5176,7 @@
           <p:nvPr/>
         </p:nvPicPr>
         <p:blipFill>
-          <a:blip r:embed="rId7">
+          <a:blip r:embed="rId6">
             <a:extLst>
               <a:ext uri="{28A0092B-C50C-407E-A947-70E740481C1C}">
                 <a14:useLocalDpi xmlns:a14="http://schemas.microsoft.com/office/drawing/2010/main" val="0"/>
@@ -5208,7 +5223,7 @@
           <p:nvPr/>
         </p:nvPicPr>
         <p:blipFill>
-          <a:blip r:embed="rId8">
+          <a:blip r:embed="rId7">
             <a:extLst>
               <a:ext uri="{28A0092B-C50C-407E-A947-70E740481C1C}">
                 <a14:useLocalDpi xmlns:a14="http://schemas.microsoft.com/office/drawing/2010/main" val="0"/>
@@ -5301,7 +5316,7 @@
           <p:nvPr/>
         </p:nvPicPr>
         <p:blipFill>
-          <a:blip r:embed="rId9">
+          <a:blip r:embed="rId8">
             <a:extLst>
               <a:ext uri="{28A0092B-C50C-407E-A947-70E740481C1C}">
                 <a14:useLocalDpi xmlns:a14="http://schemas.microsoft.com/office/drawing/2010/main" val="0"/>
@@ -5440,7 +5455,7 @@
           <p:nvPr/>
         </p:nvPicPr>
         <p:blipFill>
-          <a:blip r:embed="rId5">
+          <a:blip r:embed="rId4">
             <a:extLst>
               <a:ext uri="{28A0092B-C50C-407E-A947-70E740481C1C}">
                 <a14:useLocalDpi xmlns:a14="http://schemas.microsoft.com/office/drawing/2010/main" val="0"/>
@@ -5579,7 +5594,7 @@
           <p:nvPr/>
         </p:nvPicPr>
         <p:blipFill>
-          <a:blip r:embed="rId5">
+          <a:blip r:embed="rId4">
             <a:extLst>
               <a:ext uri="{28A0092B-C50C-407E-A947-70E740481C1C}">
                 <a14:useLocalDpi xmlns:a14="http://schemas.microsoft.com/office/drawing/2010/main" val="0"/>
@@ -5718,7 +5733,7 @@
           <p:nvPr/>
         </p:nvPicPr>
         <p:blipFill>
-          <a:blip r:embed="rId5">
+          <a:blip r:embed="rId4">
             <a:extLst>
               <a:ext uri="{28A0092B-C50C-407E-A947-70E740481C1C}">
                 <a14:useLocalDpi xmlns:a14="http://schemas.microsoft.com/office/drawing/2010/main" val="0"/>
@@ -5857,7 +5872,7 @@
           <p:nvPr/>
         </p:nvPicPr>
         <p:blipFill>
-          <a:blip r:embed="rId5">
+          <a:blip r:embed="rId4">
             <a:extLst>
               <a:ext uri="{28A0092B-C50C-407E-A947-70E740481C1C}">
                 <a14:useLocalDpi xmlns:a14="http://schemas.microsoft.com/office/drawing/2010/main" val="0"/>
@@ -5996,7 +6011,7 @@
           <p:nvPr/>
         </p:nvPicPr>
         <p:blipFill>
-          <a:blip r:embed="rId5">
+          <a:blip r:embed="rId4">
             <a:extLst>
               <a:ext uri="{28A0092B-C50C-407E-A947-70E740481C1C}">
                 <a14:useLocalDpi xmlns:a14="http://schemas.microsoft.com/office/drawing/2010/main" val="0"/>
@@ -6112,7 +6127,7 @@
           <p:nvPr/>
         </p:nvPicPr>
         <p:blipFill>
-          <a:blip r:embed="rId10">
+          <a:blip r:embed="rId9">
             <a:extLst>
               <a:ext uri="{28A0092B-C50C-407E-A947-70E740481C1C}">
                 <a14:useLocalDpi xmlns:a14="http://schemas.microsoft.com/office/drawing/2010/main" val="0"/>
@@ -6142,6 +6157,36 @@
               </a14:hiddenFill>
             </a:ext>
           </a:extLst>
+        </p:spPr>
+      </p:pic>
+      <p:pic>
+        <p:nvPicPr>
+          <p:cNvPr id="11" name="그림 10">
+            <a:extLst>
+              <a:ext uri="{FF2B5EF4-FFF2-40B4-BE49-F238E27FC236}">
+                <a16:creationId xmlns:a16="http://schemas.microsoft.com/office/drawing/2014/main" id="{158E2CA5-9CD5-BEDA-C2B9-E962D837CB45}"/>
+              </a:ext>
+            </a:extLst>
+          </p:cNvPr>
+          <p:cNvPicPr>
+            <a:picLocks noChangeAspect="1"/>
+          </p:cNvPicPr>
+          <p:nvPr/>
+        </p:nvPicPr>
+        <p:blipFill>
+          <a:blip r:embed="rId10"/>
+          <a:stretch>
+            <a:fillRect/>
+          </a:stretch>
+        </p:blipFill>
+        <p:spPr>
+          <a:xfrm>
+            <a:off x="837473" y="1148426"/>
+            <a:ext cx="4870938" cy="1035103"/>
+          </a:xfrm>
+          <a:prstGeom prst="rect">
+            <a:avLst/>
+          </a:prstGeom>
         </p:spPr>
       </p:pic>
     </p:spTree>
@@ -6158,6 +6203,2547 @@
 </file>
 
 <file path=ppt/slides/slide2.xml><?xml version="1.0" encoding="utf-8"?>
+<p:sld xmlns:a="http://schemas.openxmlformats.org/drawingml/2006/main" xmlns:r="http://schemas.openxmlformats.org/officeDocument/2006/relationships" xmlns:p="http://schemas.openxmlformats.org/presentationml/2006/main">
+  <p:cSld>
+    <p:spTree>
+      <p:nvGrpSpPr>
+        <p:cNvPr id="1" name="">
+          <a:extLst>
+            <a:ext uri="{FF2B5EF4-FFF2-40B4-BE49-F238E27FC236}">
+              <a16:creationId xmlns:a16="http://schemas.microsoft.com/office/drawing/2014/main" id="{0F0D39D6-80F3-877D-A82B-B6E2ADE7972E}"/>
+            </a:ext>
+          </a:extLst>
+        </p:cNvPr>
+        <p:cNvGrpSpPr/>
+        <p:nvPr/>
+      </p:nvGrpSpPr>
+      <p:grpSpPr>
+        <a:xfrm>
+          <a:off x="0" y="0"/>
+          <a:ext cx="0" cy="0"/>
+          <a:chOff x="0" y="0"/>
+          <a:chExt cx="0" cy="0"/>
+        </a:xfrm>
+      </p:grpSpPr>
+      <p:sp>
+        <p:nvSpPr>
+          <p:cNvPr id="24" name="사각형: 둥근 모서리 23">
+            <a:extLst>
+              <a:ext uri="{FF2B5EF4-FFF2-40B4-BE49-F238E27FC236}">
+                <a16:creationId xmlns:a16="http://schemas.microsoft.com/office/drawing/2014/main" id="{3CCEBFFB-17FC-FD1E-1833-CF381C8F7C54}"/>
+              </a:ext>
+            </a:extLst>
+          </p:cNvPr>
+          <p:cNvSpPr/>
+          <p:nvPr/>
+        </p:nvSpPr>
+        <p:spPr>
+          <a:xfrm>
+            <a:off x="621636" y="3269097"/>
+            <a:ext cx="2798378" cy="1574340"/>
+          </a:xfrm>
+          <a:prstGeom prst="roundRect">
+            <a:avLst>
+              <a:gd name="adj" fmla="val 13717"/>
+            </a:avLst>
+          </a:prstGeom>
+        </p:spPr>
+        <p:style>
+          <a:lnRef idx="2">
+            <a:schemeClr val="dk1"/>
+          </a:lnRef>
+          <a:fillRef idx="1">
+            <a:schemeClr val="lt1"/>
+          </a:fillRef>
+          <a:effectRef idx="0">
+            <a:schemeClr val="dk1"/>
+          </a:effectRef>
+          <a:fontRef idx="minor">
+            <a:schemeClr val="dk1"/>
+          </a:fontRef>
+        </p:style>
+        <p:txBody>
+          <a:bodyPr rtlCol="0" anchor="ctr"/>
+          <a:lstStyle/>
+          <a:p>
+            <a:r>
+              <a:rPr lang="en-US" altLang="ko-KR" sz="1000" dirty="0"/>
+              <a:t>1</a:t>
+            </a:r>
+            <a:r>
+              <a:rPr lang="ko-KR" altLang="en-US" sz="1000" dirty="0"/>
+              <a:t>번 </a:t>
+            </a:r>
+            <a:r>
+              <a:rPr lang="en-US" altLang="ko-KR" sz="1000" dirty="0"/>
+              <a:t>| </a:t>
+            </a:r>
+            <a:r>
+              <a:rPr lang="ko-KR" altLang="en-US" sz="1000" dirty="0" err="1"/>
+              <a:t>랙돌</a:t>
+            </a:r>
+            <a:r>
+              <a:rPr lang="ko-KR" altLang="en-US" sz="1000" dirty="0"/>
+              <a:t> </a:t>
+            </a:r>
+            <a:r>
+              <a:rPr lang="en-US" altLang="ko-KR" sz="1000" dirty="0"/>
+              <a:t>		</a:t>
+            </a:r>
+            <a:r>
+              <a:rPr lang="ko-KR" altLang="en-US" sz="1000" dirty="0"/>
+              <a:t>작성자 </a:t>
+            </a:r>
+            <a:r>
+              <a:rPr lang="en-US" altLang="ko-KR" sz="1000" dirty="0"/>
+              <a:t>: </a:t>
+            </a:r>
+            <a:r>
+              <a:rPr lang="ko-KR" altLang="en-US" sz="1000" dirty="0" err="1"/>
+              <a:t>정예빈</a:t>
+            </a:r>
+            <a:r>
+              <a:rPr lang="ko-KR" altLang="en-US" sz="1000" dirty="0"/>
+              <a:t> </a:t>
+            </a:r>
+            <a:endParaRPr lang="en-US" altLang="ko-KR" sz="1000" dirty="0"/>
+          </a:p>
+          <a:p>
+            <a:endParaRPr lang="en-US" altLang="ko-KR" sz="1300" dirty="0"/>
+          </a:p>
+          <a:p>
+            <a:pPr algn="ctr"/>
+            <a:endParaRPr lang="en-US" altLang="ko-KR" dirty="0"/>
+          </a:p>
+          <a:p>
+            <a:pPr algn="ctr"/>
+            <a:endParaRPr lang="en-US" altLang="ko-KR" dirty="0"/>
+          </a:p>
+          <a:p>
+            <a:endParaRPr lang="en-US" altLang="ko-KR" dirty="0"/>
+          </a:p>
+          <a:p>
+            <a:r>
+              <a:rPr lang="ko-KR" altLang="en-US" sz="1000" dirty="0"/>
+              <a:t>일상 </a:t>
+            </a:r>
+            <a:r>
+              <a:rPr lang="en-US" altLang="ko-KR" sz="1000" dirty="0"/>
+              <a:t>| 25.09.19 | 11</a:t>
+            </a:r>
+            <a:r>
+              <a:rPr lang="ko-KR" altLang="en-US" sz="1000" dirty="0"/>
+              <a:t>명  </a:t>
+            </a:r>
+            <a:endParaRPr lang="en-US" altLang="ko-KR" sz="1000" dirty="0"/>
+          </a:p>
+          <a:p>
+            <a:r>
+              <a:rPr lang="en-US" altLang="ko-KR" sz="800" dirty="0"/>
+              <a:t>#</a:t>
+            </a:r>
+            <a:r>
+              <a:rPr lang="ko-KR" altLang="en-US" sz="800" dirty="0" err="1"/>
+              <a:t>랙돌</a:t>
+            </a:r>
+            <a:r>
+              <a:rPr lang="ko-KR" altLang="en-US" sz="800" dirty="0"/>
+              <a:t> </a:t>
+            </a:r>
+            <a:r>
+              <a:rPr lang="en-US" altLang="ko-KR" sz="800" dirty="0"/>
+              <a:t>#</a:t>
+            </a:r>
+            <a:r>
+              <a:rPr lang="ko-KR" altLang="en-US" sz="800" dirty="0"/>
+              <a:t>귀여워</a:t>
+            </a:r>
+            <a:endParaRPr lang="en-US" altLang="ko-KR" sz="800" dirty="0"/>
+          </a:p>
+        </p:txBody>
+      </p:sp>
+      <p:sp>
+        <p:nvSpPr>
+          <p:cNvPr id="12" name="사각형: 둥근 모서리 11">
+            <a:extLst>
+              <a:ext uri="{FF2B5EF4-FFF2-40B4-BE49-F238E27FC236}">
+                <a16:creationId xmlns:a16="http://schemas.microsoft.com/office/drawing/2014/main" id="{93564F0D-E343-AF28-196E-C6B8D7062914}"/>
+              </a:ext>
+            </a:extLst>
+          </p:cNvPr>
+          <p:cNvSpPr/>
+          <p:nvPr/>
+        </p:nvSpPr>
+        <p:spPr>
+          <a:xfrm>
+            <a:off x="424542" y="2336690"/>
+            <a:ext cx="486888" cy="1055095"/>
+          </a:xfrm>
+          <a:prstGeom prst="roundRect">
+            <a:avLst/>
+          </a:prstGeom>
+          <a:solidFill>
+            <a:schemeClr val="accent1"/>
+          </a:solidFill>
+        </p:spPr>
+        <p:style>
+          <a:lnRef idx="2">
+            <a:schemeClr val="dk1"/>
+          </a:lnRef>
+          <a:fillRef idx="1">
+            <a:schemeClr val="lt1"/>
+          </a:fillRef>
+          <a:effectRef idx="0">
+            <a:schemeClr val="dk1"/>
+          </a:effectRef>
+          <a:fontRef idx="minor">
+            <a:schemeClr val="dk1"/>
+          </a:fontRef>
+        </p:style>
+        <p:txBody>
+          <a:bodyPr rtlCol="0" anchor="ctr"/>
+          <a:lstStyle/>
+          <a:p>
+            <a:pPr algn="ctr"/>
+            <a:endParaRPr lang="ko-KR" altLang="en-US"/>
+          </a:p>
+        </p:txBody>
+      </p:sp>
+      <p:sp>
+        <p:nvSpPr>
+          <p:cNvPr id="4" name="직사각형 3">
+            <a:extLst>
+              <a:ext uri="{FF2B5EF4-FFF2-40B4-BE49-F238E27FC236}">
+                <a16:creationId xmlns:a16="http://schemas.microsoft.com/office/drawing/2014/main" id="{7609C6CF-FAAB-6069-48F6-3CC7AF041472}"/>
+              </a:ext>
+            </a:extLst>
+          </p:cNvPr>
+          <p:cNvSpPr/>
+          <p:nvPr/>
+        </p:nvSpPr>
+        <p:spPr>
+          <a:xfrm>
+            <a:off x="0" y="281012"/>
+            <a:ext cx="6858000" cy="575954"/>
+          </a:xfrm>
+          <a:prstGeom prst="rect">
+            <a:avLst/>
+          </a:prstGeom>
+          <a:noFill/>
+          <a:ln>
+            <a:solidFill>
+              <a:schemeClr val="tx1"/>
+            </a:solidFill>
+          </a:ln>
+        </p:spPr>
+        <p:style>
+          <a:lnRef idx="2">
+            <a:schemeClr val="accent1">
+              <a:shade val="15000"/>
+            </a:schemeClr>
+          </a:lnRef>
+          <a:fillRef idx="1">
+            <a:schemeClr val="accent1"/>
+          </a:fillRef>
+          <a:effectRef idx="0">
+            <a:schemeClr val="accent1"/>
+          </a:effectRef>
+          <a:fontRef idx="minor">
+            <a:schemeClr val="lt1"/>
+          </a:fontRef>
+        </p:style>
+        <p:txBody>
+          <a:bodyPr rtlCol="0" anchor="ctr"/>
+          <a:lstStyle/>
+          <a:p>
+            <a:pPr algn="ctr"/>
+            <a:endParaRPr lang="ko-KR" altLang="en-US" dirty="0"/>
+          </a:p>
+        </p:txBody>
+      </p:sp>
+      <p:sp>
+        <p:nvSpPr>
+          <p:cNvPr id="5" name="TextBox 4">
+            <a:extLst>
+              <a:ext uri="{FF2B5EF4-FFF2-40B4-BE49-F238E27FC236}">
+                <a16:creationId xmlns:a16="http://schemas.microsoft.com/office/drawing/2014/main" id="{7B88FFAB-11DA-6F20-F4D3-DEBDA8D1836D}"/>
+              </a:ext>
+            </a:extLst>
+          </p:cNvPr>
+          <p:cNvSpPr txBox="1"/>
+          <p:nvPr/>
+        </p:nvSpPr>
+        <p:spPr>
+          <a:xfrm>
+            <a:off x="2348965" y="433521"/>
+            <a:ext cx="2563522" cy="369332"/>
+          </a:xfrm>
+          <a:prstGeom prst="rect">
+            <a:avLst/>
+          </a:prstGeom>
+          <a:noFill/>
+        </p:spPr>
+        <p:txBody>
+          <a:bodyPr wrap="none" rtlCol="0">
+            <a:spAutoFit/>
+          </a:bodyPr>
+          <a:lstStyle/>
+          <a:p>
+            <a:r>
+              <a:rPr lang="ko-KR" altLang="en-US" dirty="0"/>
+              <a:t>메인 바 </a:t>
+            </a:r>
+            <a:r>
+              <a:rPr lang="en-US" altLang="ko-KR" dirty="0"/>
+              <a:t>/ </a:t>
+            </a:r>
+            <a:r>
+              <a:rPr lang="ko-KR" altLang="en-US" dirty="0"/>
+              <a:t>관리자 페이지</a:t>
+            </a:r>
+          </a:p>
+        </p:txBody>
+      </p:sp>
+      <p:sp>
+        <p:nvSpPr>
+          <p:cNvPr id="6" name="사각형: 둥근 모서리 5">
+            <a:extLst>
+              <a:ext uri="{FF2B5EF4-FFF2-40B4-BE49-F238E27FC236}">
+                <a16:creationId xmlns:a16="http://schemas.microsoft.com/office/drawing/2014/main" id="{A902ABA2-1BBD-89E7-B92A-70BCDEDEB8C7}"/>
+              </a:ext>
+            </a:extLst>
+          </p:cNvPr>
+          <p:cNvSpPr/>
+          <p:nvPr/>
+        </p:nvSpPr>
+        <p:spPr>
+          <a:xfrm>
+            <a:off x="418606" y="2336691"/>
+            <a:ext cx="5079928" cy="360067"/>
+          </a:xfrm>
+          <a:prstGeom prst="roundRect">
+            <a:avLst/>
+          </a:prstGeom>
+        </p:spPr>
+        <p:style>
+          <a:lnRef idx="2">
+            <a:schemeClr val="dk1"/>
+          </a:lnRef>
+          <a:fillRef idx="1">
+            <a:schemeClr val="lt1"/>
+          </a:fillRef>
+          <a:effectRef idx="0">
+            <a:schemeClr val="dk1"/>
+          </a:effectRef>
+          <a:fontRef idx="minor">
+            <a:schemeClr val="dk1"/>
+          </a:fontRef>
+        </p:style>
+        <p:txBody>
+          <a:bodyPr rtlCol="0" anchor="ctr"/>
+          <a:lstStyle/>
+          <a:p>
+            <a:pPr algn="ctr"/>
+            <a:r>
+              <a:rPr lang="ko-KR" altLang="en-US" dirty="0">
+                <a:solidFill>
+                  <a:schemeClr val="bg2">
+                    <a:lumMod val="75000"/>
+                  </a:schemeClr>
+                </a:solidFill>
+              </a:rPr>
+              <a:t>검색</a:t>
+            </a:r>
+          </a:p>
+        </p:txBody>
+      </p:sp>
+      <p:sp>
+        <p:nvSpPr>
+          <p:cNvPr id="7" name="사각형: 둥근 모서리 6">
+            <a:extLst>
+              <a:ext uri="{FF2B5EF4-FFF2-40B4-BE49-F238E27FC236}">
+                <a16:creationId xmlns:a16="http://schemas.microsoft.com/office/drawing/2014/main" id="{4D8FC6EF-4805-C133-9F2E-644A441D6088}"/>
+              </a:ext>
+            </a:extLst>
+          </p:cNvPr>
+          <p:cNvSpPr/>
+          <p:nvPr/>
+        </p:nvSpPr>
+        <p:spPr>
+          <a:xfrm>
+            <a:off x="5702300" y="2329527"/>
+            <a:ext cx="882987" cy="360067"/>
+          </a:xfrm>
+          <a:prstGeom prst="roundRect">
+            <a:avLst/>
+          </a:prstGeom>
+        </p:spPr>
+        <p:style>
+          <a:lnRef idx="2">
+            <a:schemeClr val="dk1"/>
+          </a:lnRef>
+          <a:fillRef idx="1">
+            <a:schemeClr val="lt1"/>
+          </a:fillRef>
+          <a:effectRef idx="0">
+            <a:schemeClr val="dk1"/>
+          </a:effectRef>
+          <a:fontRef idx="minor">
+            <a:schemeClr val="dk1"/>
+          </a:fontRef>
+        </p:style>
+        <p:txBody>
+          <a:bodyPr rtlCol="0" anchor="ctr"/>
+          <a:lstStyle/>
+          <a:p>
+            <a:pPr algn="ctr"/>
+            <a:r>
+              <a:rPr lang="ko-KR" altLang="en-US" sz="1300" dirty="0"/>
+              <a:t>글쓰기</a:t>
+            </a:r>
+          </a:p>
+        </p:txBody>
+      </p:sp>
+      <p:sp>
+        <p:nvSpPr>
+          <p:cNvPr id="8" name="이등변 삼각형 7">
+            <a:extLst>
+              <a:ext uri="{FF2B5EF4-FFF2-40B4-BE49-F238E27FC236}">
+                <a16:creationId xmlns:a16="http://schemas.microsoft.com/office/drawing/2014/main" id="{06AFEE99-A15B-FFBA-6EE5-5DC43F18CD41}"/>
+              </a:ext>
+            </a:extLst>
+          </p:cNvPr>
+          <p:cNvSpPr/>
+          <p:nvPr/>
+        </p:nvSpPr>
+        <p:spPr>
+          <a:xfrm rot="10800000">
+            <a:off x="542112" y="2432916"/>
+            <a:ext cx="243692" cy="193586"/>
+          </a:xfrm>
+          <a:prstGeom prst="triangle">
+            <a:avLst/>
+          </a:prstGeom>
+          <a:solidFill>
+            <a:schemeClr val="accent1"/>
+          </a:solidFill>
+        </p:spPr>
+        <p:style>
+          <a:lnRef idx="2">
+            <a:schemeClr val="dk1"/>
+          </a:lnRef>
+          <a:fillRef idx="1">
+            <a:schemeClr val="lt1"/>
+          </a:fillRef>
+          <a:effectRef idx="0">
+            <a:schemeClr val="dk1"/>
+          </a:effectRef>
+          <a:fontRef idx="minor">
+            <a:schemeClr val="dk1"/>
+          </a:fontRef>
+        </p:style>
+        <p:txBody>
+          <a:bodyPr rtlCol="0" anchor="ctr"/>
+          <a:lstStyle/>
+          <a:p>
+            <a:pPr algn="ctr"/>
+            <a:endParaRPr lang="ko-KR" altLang="en-US" dirty="0"/>
+          </a:p>
+        </p:txBody>
+      </p:sp>
+      <p:pic>
+        <p:nvPicPr>
+          <p:cNvPr id="1032" name="Picture 8" descr="돋보기 ">
+            <a:extLst>
+              <a:ext uri="{FF2B5EF4-FFF2-40B4-BE49-F238E27FC236}">
+                <a16:creationId xmlns:a16="http://schemas.microsoft.com/office/drawing/2014/main" id="{724F686A-0538-354D-9760-FEC1BA26AE7F}"/>
+              </a:ext>
+            </a:extLst>
+          </p:cNvPr>
+          <p:cNvPicPr>
+            <a:picLocks noChangeAspect="1" noChangeArrowheads="1"/>
+          </p:cNvPicPr>
+          <p:nvPr/>
+        </p:nvPicPr>
+        <p:blipFill>
+          <a:blip r:embed="rId3">
+            <a:extLst>
+              <a:ext uri="{28A0092B-C50C-407E-A947-70E740481C1C}">
+                <a14:useLocalDpi xmlns:a14="http://schemas.microsoft.com/office/drawing/2010/main" val="0"/>
+              </a:ext>
+            </a:extLst>
+          </a:blip>
+          <a:srcRect/>
+          <a:stretch>
+            <a:fillRect/>
+          </a:stretch>
+        </p:blipFill>
+        <p:spPr bwMode="auto">
+          <a:xfrm>
+            <a:off x="5105616" y="2349675"/>
+            <a:ext cx="360067" cy="360067"/>
+          </a:xfrm>
+          <a:prstGeom prst="rect">
+            <a:avLst/>
+          </a:prstGeom>
+          <a:noFill/>
+          <a:extLst>
+            <a:ext uri="{909E8E84-426E-40DD-AFC4-6F175D3DCCD1}">
+              <a14:hiddenFill xmlns:a14="http://schemas.microsoft.com/office/drawing/2010/main">
+                <a:solidFill>
+                  <a:srgbClr val="FFFFFF"/>
+                </a:solidFill>
+              </a14:hiddenFill>
+            </a:ext>
+          </a:extLst>
+        </p:spPr>
+      </p:pic>
+      <p:sp>
+        <p:nvSpPr>
+          <p:cNvPr id="40" name="사각형: 둥근 모서리 39">
+            <a:extLst>
+              <a:ext uri="{FF2B5EF4-FFF2-40B4-BE49-F238E27FC236}">
+                <a16:creationId xmlns:a16="http://schemas.microsoft.com/office/drawing/2014/main" id="{960084EB-B77D-D279-E3CB-6F4381C21435}"/>
+              </a:ext>
+            </a:extLst>
+          </p:cNvPr>
+          <p:cNvSpPr/>
+          <p:nvPr/>
+        </p:nvSpPr>
+        <p:spPr>
+          <a:xfrm>
+            <a:off x="3706427" y="3219393"/>
+            <a:ext cx="2798378" cy="1574340"/>
+          </a:xfrm>
+          <a:prstGeom prst="roundRect">
+            <a:avLst>
+              <a:gd name="adj" fmla="val 13717"/>
+            </a:avLst>
+          </a:prstGeom>
+        </p:spPr>
+        <p:style>
+          <a:lnRef idx="2">
+            <a:schemeClr val="dk1"/>
+          </a:lnRef>
+          <a:fillRef idx="1">
+            <a:schemeClr val="lt1"/>
+          </a:fillRef>
+          <a:effectRef idx="0">
+            <a:schemeClr val="dk1"/>
+          </a:effectRef>
+          <a:fontRef idx="minor">
+            <a:schemeClr val="dk1"/>
+          </a:fontRef>
+        </p:style>
+        <p:txBody>
+          <a:bodyPr rtlCol="0" anchor="ctr"/>
+          <a:lstStyle/>
+          <a:p>
+            <a:r>
+              <a:rPr lang="en-US" altLang="ko-KR" sz="1000" dirty="0"/>
+              <a:t>2</a:t>
+            </a:r>
+            <a:r>
+              <a:rPr lang="ko-KR" altLang="en-US" sz="1000" dirty="0"/>
+              <a:t>번 </a:t>
+            </a:r>
+            <a:r>
+              <a:rPr lang="en-US" altLang="ko-KR" sz="1000" dirty="0"/>
+              <a:t>| </a:t>
+            </a:r>
+            <a:r>
+              <a:rPr lang="ko-KR" altLang="en-US" sz="1000" dirty="0" err="1"/>
+              <a:t>많고많은마법사</a:t>
+            </a:r>
+            <a:r>
+              <a:rPr lang="ko-KR" altLang="en-US" sz="1000" dirty="0"/>
+              <a:t> </a:t>
+            </a:r>
+            <a:r>
+              <a:rPr lang="en-US" altLang="ko-KR" sz="1000" dirty="0"/>
+              <a:t>	</a:t>
+            </a:r>
+            <a:r>
+              <a:rPr lang="ko-KR" altLang="en-US" sz="1000" dirty="0"/>
+              <a:t>작성자 </a:t>
+            </a:r>
+            <a:r>
+              <a:rPr lang="en-US" altLang="ko-KR" sz="1000" dirty="0"/>
+              <a:t>: </a:t>
+            </a:r>
+            <a:r>
+              <a:rPr lang="ko-KR" altLang="en-US" sz="1000" dirty="0" err="1"/>
+              <a:t>정예빈</a:t>
+            </a:r>
+            <a:r>
+              <a:rPr lang="ko-KR" altLang="en-US" sz="1000" dirty="0"/>
+              <a:t> </a:t>
+            </a:r>
+            <a:endParaRPr lang="en-US" altLang="ko-KR" sz="1000" dirty="0"/>
+          </a:p>
+          <a:p>
+            <a:endParaRPr lang="en-US" altLang="ko-KR" sz="1300" dirty="0"/>
+          </a:p>
+          <a:p>
+            <a:pPr algn="ctr"/>
+            <a:endParaRPr lang="en-US" altLang="ko-KR" dirty="0"/>
+          </a:p>
+          <a:p>
+            <a:pPr algn="ctr"/>
+            <a:endParaRPr lang="en-US" altLang="ko-KR" dirty="0"/>
+          </a:p>
+          <a:p>
+            <a:endParaRPr lang="en-US" altLang="ko-KR" dirty="0"/>
+          </a:p>
+          <a:p>
+            <a:r>
+              <a:rPr lang="ko-KR" altLang="en-US" sz="1000" dirty="0"/>
+              <a:t>유머 </a:t>
+            </a:r>
+            <a:r>
+              <a:rPr lang="en-US" altLang="ko-KR" sz="1000" dirty="0"/>
+              <a:t>| 25.09.19 | 11</a:t>
+            </a:r>
+            <a:r>
+              <a:rPr lang="ko-KR" altLang="en-US" sz="1000" dirty="0"/>
+              <a:t>명  </a:t>
+            </a:r>
+            <a:endParaRPr lang="en-US" altLang="ko-KR" sz="1000" dirty="0"/>
+          </a:p>
+          <a:p>
+            <a:r>
+              <a:rPr lang="en-US" altLang="ko-KR" sz="800" dirty="0"/>
+              <a:t>#</a:t>
+            </a:r>
+            <a:r>
+              <a:rPr lang="ko-KR" altLang="en-US" sz="800" dirty="0" err="1"/>
+              <a:t>이즈리얼</a:t>
+            </a:r>
+            <a:r>
+              <a:rPr lang="ko-KR" altLang="en-US" sz="800" dirty="0"/>
+              <a:t> </a:t>
+            </a:r>
+            <a:r>
+              <a:rPr lang="en-US" altLang="ko-KR" sz="800" dirty="0"/>
+              <a:t>#</a:t>
+            </a:r>
+            <a:r>
+              <a:rPr lang="ko-KR" altLang="en-US" sz="800" dirty="0" err="1"/>
+              <a:t>롤드컵</a:t>
+            </a:r>
+            <a:r>
+              <a:rPr lang="ko-KR" altLang="en-US" sz="800" dirty="0"/>
+              <a:t> </a:t>
+            </a:r>
+            <a:endParaRPr lang="en-US" altLang="ko-KR" sz="800" dirty="0"/>
+          </a:p>
+        </p:txBody>
+      </p:sp>
+      <p:pic>
+        <p:nvPicPr>
+          <p:cNvPr id="41" name="Picture 34" descr="심장 ">
+            <a:extLst>
+              <a:ext uri="{FF2B5EF4-FFF2-40B4-BE49-F238E27FC236}">
+                <a16:creationId xmlns:a16="http://schemas.microsoft.com/office/drawing/2014/main" id="{235D3421-8A55-E927-0E92-1730DB5FAED6}"/>
+              </a:ext>
+            </a:extLst>
+          </p:cNvPr>
+          <p:cNvPicPr>
+            <a:picLocks noChangeAspect="1" noChangeArrowheads="1"/>
+          </p:cNvPicPr>
+          <p:nvPr/>
+        </p:nvPicPr>
+        <p:blipFill>
+          <a:blip r:embed="rId4">
+            <a:extLst>
+              <a:ext uri="{28A0092B-C50C-407E-A947-70E740481C1C}">
+                <a14:useLocalDpi xmlns:a14="http://schemas.microsoft.com/office/drawing/2010/main" val="0"/>
+              </a:ext>
+            </a:extLst>
+          </a:blip>
+          <a:srcRect/>
+          <a:stretch>
+            <a:fillRect/>
+          </a:stretch>
+        </p:blipFill>
+        <p:spPr bwMode="auto">
+          <a:xfrm flipH="1">
+            <a:off x="6184348" y="4550438"/>
+            <a:ext cx="234243" cy="234243"/>
+          </a:xfrm>
+          <a:prstGeom prst="rect">
+            <a:avLst/>
+          </a:prstGeom>
+          <a:noFill/>
+          <a:extLst>
+            <a:ext uri="{909E8E84-426E-40DD-AFC4-6F175D3DCCD1}">
+              <a14:hiddenFill xmlns:a14="http://schemas.microsoft.com/office/drawing/2010/main">
+                <a:solidFill>
+                  <a:srgbClr val="FFFFFF"/>
+                </a:solidFill>
+              </a14:hiddenFill>
+            </a:ext>
+          </a:extLst>
+        </p:spPr>
+      </p:pic>
+      <p:sp>
+        <p:nvSpPr>
+          <p:cNvPr id="43" name="사각형: 둥근 모서리 42">
+            <a:extLst>
+              <a:ext uri="{FF2B5EF4-FFF2-40B4-BE49-F238E27FC236}">
+                <a16:creationId xmlns:a16="http://schemas.microsoft.com/office/drawing/2014/main" id="{F7D2D9F1-42C5-FEDB-FD3E-F5E615F41F39}"/>
+              </a:ext>
+            </a:extLst>
+          </p:cNvPr>
+          <p:cNvSpPr/>
+          <p:nvPr/>
+        </p:nvSpPr>
+        <p:spPr>
+          <a:xfrm>
+            <a:off x="5671821" y="4585806"/>
+            <a:ext cx="453511" cy="166042"/>
+          </a:xfrm>
+          <a:prstGeom prst="roundRect">
+            <a:avLst/>
+          </a:prstGeom>
+        </p:spPr>
+        <p:style>
+          <a:lnRef idx="2">
+            <a:schemeClr val="dk1"/>
+          </a:lnRef>
+          <a:fillRef idx="1">
+            <a:schemeClr val="lt1"/>
+          </a:fillRef>
+          <a:effectRef idx="0">
+            <a:schemeClr val="dk1"/>
+          </a:effectRef>
+          <a:fontRef idx="minor">
+            <a:schemeClr val="dk1"/>
+          </a:fontRef>
+        </p:style>
+        <p:txBody>
+          <a:bodyPr rtlCol="0" anchor="ctr"/>
+          <a:lstStyle/>
+          <a:p>
+            <a:r>
+              <a:rPr lang="ko-KR" altLang="en-US" sz="1000" dirty="0"/>
+              <a:t>삭제</a:t>
+            </a:r>
+          </a:p>
+        </p:txBody>
+      </p:sp>
+      <p:sp>
+        <p:nvSpPr>
+          <p:cNvPr id="44" name="사각형: 둥근 모서리 43">
+            <a:extLst>
+              <a:ext uri="{FF2B5EF4-FFF2-40B4-BE49-F238E27FC236}">
+                <a16:creationId xmlns:a16="http://schemas.microsoft.com/office/drawing/2014/main" id="{BD92848F-FF76-97AB-4F1E-AA8466A225AF}"/>
+              </a:ext>
+            </a:extLst>
+          </p:cNvPr>
+          <p:cNvSpPr/>
+          <p:nvPr/>
+        </p:nvSpPr>
+        <p:spPr>
+          <a:xfrm>
+            <a:off x="5178595" y="4582838"/>
+            <a:ext cx="453511" cy="166042"/>
+          </a:xfrm>
+          <a:prstGeom prst="roundRect">
+            <a:avLst/>
+          </a:prstGeom>
+        </p:spPr>
+        <p:style>
+          <a:lnRef idx="2">
+            <a:schemeClr val="dk1"/>
+          </a:lnRef>
+          <a:fillRef idx="1">
+            <a:schemeClr val="lt1"/>
+          </a:fillRef>
+          <a:effectRef idx="0">
+            <a:schemeClr val="dk1"/>
+          </a:effectRef>
+          <a:fontRef idx="minor">
+            <a:schemeClr val="dk1"/>
+          </a:fontRef>
+        </p:style>
+        <p:txBody>
+          <a:bodyPr rtlCol="0" anchor="ctr"/>
+          <a:lstStyle/>
+          <a:p>
+            <a:r>
+              <a:rPr lang="ko-KR" altLang="en-US" sz="1000" dirty="0"/>
+              <a:t>복구</a:t>
+            </a:r>
+          </a:p>
+        </p:txBody>
+      </p:sp>
+      <p:pic>
+        <p:nvPicPr>
+          <p:cNvPr id="1064" name="Picture 40" descr="LoL 상점">
+            <a:extLst>
+              <a:ext uri="{FF2B5EF4-FFF2-40B4-BE49-F238E27FC236}">
+                <a16:creationId xmlns:a16="http://schemas.microsoft.com/office/drawing/2014/main" id="{481272CB-1FF4-677C-F10F-8F0B997DFFDD}"/>
+              </a:ext>
+            </a:extLst>
+          </p:cNvPr>
+          <p:cNvPicPr>
+            <a:picLocks noChangeAspect="1" noChangeArrowheads="1"/>
+          </p:cNvPicPr>
+          <p:nvPr/>
+        </p:nvPicPr>
+        <p:blipFill>
+          <a:blip r:embed="rId5">
+            <a:extLst>
+              <a:ext uri="{28A0092B-C50C-407E-A947-70E740481C1C}">
+                <a14:useLocalDpi xmlns:a14="http://schemas.microsoft.com/office/drawing/2010/main" val="0"/>
+              </a:ext>
+            </a:extLst>
+          </a:blip>
+          <a:srcRect/>
+          <a:stretch>
+            <a:fillRect/>
+          </a:stretch>
+        </p:blipFill>
+        <p:spPr bwMode="auto">
+          <a:xfrm>
+            <a:off x="4200182" y="3465592"/>
+            <a:ext cx="1696120" cy="954068"/>
+          </a:xfrm>
+          <a:prstGeom prst="rect">
+            <a:avLst/>
+          </a:prstGeom>
+          <a:noFill/>
+          <a:extLst>
+            <a:ext uri="{909E8E84-426E-40DD-AFC4-6F175D3DCCD1}">
+              <a14:hiddenFill xmlns:a14="http://schemas.microsoft.com/office/drawing/2010/main">
+                <a:solidFill>
+                  <a:srgbClr val="FFFFFF"/>
+                </a:solidFill>
+              </a14:hiddenFill>
+            </a:ext>
+          </a:extLst>
+        </p:spPr>
+      </p:pic>
+      <p:sp>
+        <p:nvSpPr>
+          <p:cNvPr id="60" name="사각형: 둥근 모서리 59">
+            <a:extLst>
+              <a:ext uri="{FF2B5EF4-FFF2-40B4-BE49-F238E27FC236}">
+                <a16:creationId xmlns:a16="http://schemas.microsoft.com/office/drawing/2014/main" id="{84EFA915-88C8-55CE-451A-07B3FAF93C9D}"/>
+              </a:ext>
+            </a:extLst>
+          </p:cNvPr>
+          <p:cNvSpPr/>
+          <p:nvPr/>
+        </p:nvSpPr>
+        <p:spPr>
+          <a:xfrm>
+            <a:off x="424542" y="2684647"/>
+            <a:ext cx="486888" cy="229305"/>
+          </a:xfrm>
+          <a:prstGeom prst="roundRect">
+            <a:avLst/>
+          </a:prstGeom>
+        </p:spPr>
+        <p:style>
+          <a:lnRef idx="2">
+            <a:schemeClr val="dk1"/>
+          </a:lnRef>
+          <a:fillRef idx="1">
+            <a:schemeClr val="lt1"/>
+          </a:fillRef>
+          <a:effectRef idx="0">
+            <a:schemeClr val="dk1"/>
+          </a:effectRef>
+          <a:fontRef idx="minor">
+            <a:schemeClr val="dk1"/>
+          </a:fontRef>
+        </p:style>
+        <p:txBody>
+          <a:bodyPr rtlCol="0" anchor="ctr"/>
+          <a:lstStyle/>
+          <a:p>
+            <a:pPr algn="ctr"/>
+            <a:r>
+              <a:rPr lang="ko-KR" altLang="en-US" sz="800" dirty="0"/>
+              <a:t>제목</a:t>
+            </a:r>
+          </a:p>
+        </p:txBody>
+      </p:sp>
+      <p:sp>
+        <p:nvSpPr>
+          <p:cNvPr id="61" name="사각형: 둥근 모서리 60">
+            <a:extLst>
+              <a:ext uri="{FF2B5EF4-FFF2-40B4-BE49-F238E27FC236}">
+                <a16:creationId xmlns:a16="http://schemas.microsoft.com/office/drawing/2014/main" id="{9AB265E8-31F9-4A9F-7276-21623F66ABB5}"/>
+              </a:ext>
+            </a:extLst>
+          </p:cNvPr>
+          <p:cNvSpPr/>
+          <p:nvPr/>
+        </p:nvSpPr>
+        <p:spPr>
+          <a:xfrm>
+            <a:off x="424542" y="2913294"/>
+            <a:ext cx="486888" cy="229305"/>
+          </a:xfrm>
+          <a:prstGeom prst="roundRect">
+            <a:avLst/>
+          </a:prstGeom>
+        </p:spPr>
+        <p:style>
+          <a:lnRef idx="2">
+            <a:schemeClr val="dk1"/>
+          </a:lnRef>
+          <a:fillRef idx="1">
+            <a:schemeClr val="lt1"/>
+          </a:fillRef>
+          <a:effectRef idx="0">
+            <a:schemeClr val="dk1"/>
+          </a:effectRef>
+          <a:fontRef idx="minor">
+            <a:schemeClr val="dk1"/>
+          </a:fontRef>
+        </p:style>
+        <p:txBody>
+          <a:bodyPr rtlCol="0" anchor="ctr"/>
+          <a:lstStyle/>
+          <a:p>
+            <a:pPr algn="ctr"/>
+            <a:r>
+              <a:rPr lang="ko-KR" altLang="en-US" sz="800" dirty="0"/>
+              <a:t>내용</a:t>
+            </a:r>
+          </a:p>
+        </p:txBody>
+      </p:sp>
+      <p:sp>
+        <p:nvSpPr>
+          <p:cNvPr id="63" name="사각형: 둥근 모서리 62">
+            <a:extLst>
+              <a:ext uri="{FF2B5EF4-FFF2-40B4-BE49-F238E27FC236}">
+                <a16:creationId xmlns:a16="http://schemas.microsoft.com/office/drawing/2014/main" id="{437D6C9F-92EB-9F61-AFB0-1B5C7904BE76}"/>
+              </a:ext>
+            </a:extLst>
+          </p:cNvPr>
+          <p:cNvSpPr/>
+          <p:nvPr/>
+        </p:nvSpPr>
+        <p:spPr>
+          <a:xfrm>
+            <a:off x="425013" y="3152539"/>
+            <a:ext cx="486888" cy="229305"/>
+          </a:xfrm>
+          <a:prstGeom prst="roundRect">
+            <a:avLst/>
+          </a:prstGeom>
+        </p:spPr>
+        <p:style>
+          <a:lnRef idx="2">
+            <a:schemeClr val="dk1"/>
+          </a:lnRef>
+          <a:fillRef idx="1">
+            <a:schemeClr val="lt1"/>
+          </a:fillRef>
+          <a:effectRef idx="0">
+            <a:schemeClr val="dk1"/>
+          </a:effectRef>
+          <a:fontRef idx="minor">
+            <a:schemeClr val="dk1"/>
+          </a:fontRef>
+        </p:style>
+        <p:txBody>
+          <a:bodyPr rtlCol="0" anchor="ctr"/>
+          <a:lstStyle/>
+          <a:p>
+            <a:pPr algn="ctr"/>
+            <a:r>
+              <a:rPr lang="ko-KR" altLang="en-US" sz="800" dirty="0"/>
+              <a:t>해시태그</a:t>
+            </a:r>
+            <a:endParaRPr lang="en-US" altLang="ko-KR" sz="800" dirty="0"/>
+          </a:p>
+        </p:txBody>
+      </p:sp>
+      <p:sp>
+        <p:nvSpPr>
+          <p:cNvPr id="3" name="TextBox 2">
+            <a:extLst>
+              <a:ext uri="{FF2B5EF4-FFF2-40B4-BE49-F238E27FC236}">
+                <a16:creationId xmlns:a16="http://schemas.microsoft.com/office/drawing/2014/main" id="{892FD8BD-672F-6B37-1AF3-83FDC825F646}"/>
+              </a:ext>
+            </a:extLst>
+          </p:cNvPr>
+          <p:cNvSpPr txBox="1"/>
+          <p:nvPr/>
+        </p:nvSpPr>
+        <p:spPr>
+          <a:xfrm>
+            <a:off x="3340490" y="8710479"/>
+            <a:ext cx="283236" cy="292388"/>
+          </a:xfrm>
+          <a:prstGeom prst="rect">
+            <a:avLst/>
+          </a:prstGeom>
+          <a:noFill/>
+        </p:spPr>
+        <p:txBody>
+          <a:bodyPr wrap="square" rtlCol="0">
+            <a:spAutoFit/>
+          </a:bodyPr>
+          <a:lstStyle/>
+          <a:p>
+            <a:r>
+              <a:rPr lang="en-US" altLang="ko-KR" sz="1300" dirty="0"/>
+              <a:t>1</a:t>
+            </a:r>
+            <a:endParaRPr lang="ko-KR" altLang="en-US" sz="1300" dirty="0"/>
+          </a:p>
+        </p:txBody>
+      </p:sp>
+      <p:sp>
+        <p:nvSpPr>
+          <p:cNvPr id="25" name="사각형: 둥근 모서리 24">
+            <a:extLst>
+              <a:ext uri="{FF2B5EF4-FFF2-40B4-BE49-F238E27FC236}">
+                <a16:creationId xmlns:a16="http://schemas.microsoft.com/office/drawing/2014/main" id="{869ABCF1-AB9B-AFA7-1C51-8E806078C40B}"/>
+              </a:ext>
+            </a:extLst>
+          </p:cNvPr>
+          <p:cNvSpPr/>
+          <p:nvPr/>
+        </p:nvSpPr>
+        <p:spPr>
+          <a:xfrm>
+            <a:off x="596561" y="4973761"/>
+            <a:ext cx="2798378" cy="1574340"/>
+          </a:xfrm>
+          <a:prstGeom prst="roundRect">
+            <a:avLst>
+              <a:gd name="adj" fmla="val 13717"/>
+            </a:avLst>
+          </a:prstGeom>
+        </p:spPr>
+        <p:style>
+          <a:lnRef idx="2">
+            <a:schemeClr val="dk1"/>
+          </a:lnRef>
+          <a:fillRef idx="1">
+            <a:schemeClr val="lt1"/>
+          </a:fillRef>
+          <a:effectRef idx="0">
+            <a:schemeClr val="dk1"/>
+          </a:effectRef>
+          <a:fontRef idx="minor">
+            <a:schemeClr val="dk1"/>
+          </a:fontRef>
+        </p:style>
+        <p:txBody>
+          <a:bodyPr rtlCol="0" anchor="ctr"/>
+          <a:lstStyle/>
+          <a:p>
+            <a:r>
+              <a:rPr lang="en-US" altLang="ko-KR" sz="1000" dirty="0"/>
+              <a:t>3</a:t>
+            </a:r>
+            <a:r>
+              <a:rPr lang="ko-KR" altLang="en-US" sz="1000" dirty="0"/>
+              <a:t>번 </a:t>
+            </a:r>
+            <a:r>
+              <a:rPr lang="en-US" altLang="ko-KR" sz="1000" dirty="0"/>
+              <a:t>| </a:t>
+            </a:r>
+            <a:r>
+              <a:rPr lang="ko-KR" altLang="en-US" sz="1000" dirty="0"/>
+              <a:t>카페추천 </a:t>
+            </a:r>
+            <a:r>
+              <a:rPr lang="en-US" altLang="ko-KR" sz="1000" dirty="0"/>
+              <a:t>		</a:t>
+            </a:r>
+            <a:r>
+              <a:rPr lang="ko-KR" altLang="en-US" sz="1000" dirty="0"/>
+              <a:t>작성자 </a:t>
+            </a:r>
+            <a:r>
+              <a:rPr lang="en-US" altLang="ko-KR" sz="1000" dirty="0"/>
+              <a:t>: </a:t>
+            </a:r>
+            <a:r>
+              <a:rPr lang="ko-KR" altLang="en-US" sz="1000" dirty="0"/>
+              <a:t>강지수 </a:t>
+            </a:r>
+            <a:endParaRPr lang="en-US" altLang="ko-KR" sz="1000" dirty="0"/>
+          </a:p>
+          <a:p>
+            <a:endParaRPr lang="en-US" altLang="ko-KR" sz="1300" dirty="0"/>
+          </a:p>
+          <a:p>
+            <a:pPr algn="ctr"/>
+            <a:endParaRPr lang="en-US" altLang="ko-KR" dirty="0"/>
+          </a:p>
+          <a:p>
+            <a:pPr algn="ctr"/>
+            <a:endParaRPr lang="en-US" altLang="ko-KR" dirty="0"/>
+          </a:p>
+          <a:p>
+            <a:endParaRPr lang="en-US" altLang="ko-KR" dirty="0"/>
+          </a:p>
+          <a:p>
+            <a:r>
+              <a:rPr lang="ko-KR" altLang="en-US" sz="1000" dirty="0"/>
+              <a:t>맛집 </a:t>
+            </a:r>
+            <a:r>
+              <a:rPr lang="en-US" altLang="ko-KR" sz="1000" dirty="0"/>
+              <a:t>| 25.09.19 | 11</a:t>
+            </a:r>
+            <a:r>
+              <a:rPr lang="ko-KR" altLang="en-US" sz="1000" dirty="0"/>
+              <a:t>명  </a:t>
+            </a:r>
+            <a:endParaRPr lang="en-US" altLang="ko-KR" sz="1000" dirty="0"/>
+          </a:p>
+          <a:p>
+            <a:r>
+              <a:rPr lang="en-US" altLang="ko-KR" sz="800" dirty="0"/>
+              <a:t>#</a:t>
+            </a:r>
+            <a:r>
+              <a:rPr lang="ko-KR" altLang="en-US" sz="800" dirty="0"/>
+              <a:t>카페 </a:t>
+            </a:r>
+            <a:r>
+              <a:rPr lang="en-US" altLang="ko-KR" sz="800" dirty="0"/>
+              <a:t>#</a:t>
+            </a:r>
+            <a:r>
+              <a:rPr lang="ko-KR" altLang="en-US" sz="800" dirty="0" err="1"/>
+              <a:t>라떼맛집</a:t>
+            </a:r>
+            <a:endParaRPr lang="en-US" altLang="ko-KR" sz="800" dirty="0"/>
+          </a:p>
+        </p:txBody>
+      </p:sp>
+      <p:sp>
+        <p:nvSpPr>
+          <p:cNvPr id="26" name="사각형: 둥근 모서리 25">
+            <a:extLst>
+              <a:ext uri="{FF2B5EF4-FFF2-40B4-BE49-F238E27FC236}">
+                <a16:creationId xmlns:a16="http://schemas.microsoft.com/office/drawing/2014/main" id="{04BAEC62-4542-DC73-C247-0963C3F2DC9F}"/>
+              </a:ext>
+            </a:extLst>
+          </p:cNvPr>
+          <p:cNvSpPr/>
+          <p:nvPr/>
+        </p:nvSpPr>
+        <p:spPr>
+          <a:xfrm>
+            <a:off x="3706427" y="4947859"/>
+            <a:ext cx="2798378" cy="1574340"/>
+          </a:xfrm>
+          <a:prstGeom prst="roundRect">
+            <a:avLst>
+              <a:gd name="adj" fmla="val 13717"/>
+            </a:avLst>
+          </a:prstGeom>
+        </p:spPr>
+        <p:style>
+          <a:lnRef idx="2">
+            <a:schemeClr val="dk1"/>
+          </a:lnRef>
+          <a:fillRef idx="1">
+            <a:schemeClr val="lt1"/>
+          </a:fillRef>
+          <a:effectRef idx="0">
+            <a:schemeClr val="dk1"/>
+          </a:effectRef>
+          <a:fontRef idx="minor">
+            <a:schemeClr val="dk1"/>
+          </a:fontRef>
+        </p:style>
+        <p:txBody>
+          <a:bodyPr rtlCol="0" anchor="ctr"/>
+          <a:lstStyle/>
+          <a:p>
+            <a:r>
+              <a:rPr lang="en-US" altLang="ko-KR" sz="1000" dirty="0"/>
+              <a:t>4</a:t>
+            </a:r>
+            <a:r>
+              <a:rPr lang="ko-KR" altLang="en-US" sz="1000" dirty="0"/>
+              <a:t>번 </a:t>
+            </a:r>
+            <a:r>
+              <a:rPr lang="en-US" altLang="ko-KR" sz="1000" dirty="0"/>
+              <a:t>| </a:t>
+            </a:r>
+            <a:r>
+              <a:rPr lang="ko-KR" altLang="en-US" sz="1000" dirty="0" err="1"/>
+              <a:t>자르반</a:t>
+            </a:r>
+            <a:r>
+              <a:rPr lang="en-US" altLang="ko-KR" sz="1000" dirty="0"/>
+              <a:t> </a:t>
+            </a:r>
+            <a:r>
+              <a:rPr lang="ko-KR" altLang="en-US" sz="1000" dirty="0"/>
+              <a:t> </a:t>
+            </a:r>
+            <a:r>
+              <a:rPr lang="en-US" altLang="ko-KR" sz="1000" dirty="0"/>
+              <a:t>		</a:t>
+            </a:r>
+            <a:r>
+              <a:rPr lang="ko-KR" altLang="en-US" sz="1000" dirty="0"/>
+              <a:t>작성자 </a:t>
+            </a:r>
+            <a:r>
+              <a:rPr lang="en-US" altLang="ko-KR" sz="1000" dirty="0"/>
+              <a:t>: </a:t>
+            </a:r>
+            <a:r>
+              <a:rPr lang="ko-KR" altLang="en-US" sz="1000" dirty="0"/>
+              <a:t>정해성</a:t>
+            </a:r>
+            <a:endParaRPr lang="en-US" altLang="ko-KR" sz="1000" dirty="0"/>
+          </a:p>
+          <a:p>
+            <a:endParaRPr lang="en-US" altLang="ko-KR" sz="1300" dirty="0"/>
+          </a:p>
+          <a:p>
+            <a:pPr algn="ctr"/>
+            <a:endParaRPr lang="en-US" altLang="ko-KR" dirty="0"/>
+          </a:p>
+          <a:p>
+            <a:pPr algn="ctr"/>
+            <a:endParaRPr lang="en-US" altLang="ko-KR" dirty="0"/>
+          </a:p>
+          <a:p>
+            <a:endParaRPr lang="en-US" altLang="ko-KR" dirty="0"/>
+          </a:p>
+          <a:p>
+            <a:r>
+              <a:rPr lang="ko-KR" altLang="en-US" sz="1000" dirty="0"/>
+              <a:t>유머 </a:t>
+            </a:r>
+            <a:r>
+              <a:rPr lang="en-US" altLang="ko-KR" sz="1000" dirty="0"/>
+              <a:t>| 25.09.19 | 11</a:t>
+            </a:r>
+            <a:r>
+              <a:rPr lang="ko-KR" altLang="en-US" sz="1000" dirty="0"/>
+              <a:t>명  </a:t>
+            </a:r>
+            <a:endParaRPr lang="en-US" altLang="ko-KR" sz="1000" dirty="0"/>
+          </a:p>
+          <a:p>
+            <a:r>
+              <a:rPr lang="en-US" altLang="ko-KR" sz="800" dirty="0"/>
+              <a:t>#</a:t>
+            </a:r>
+            <a:r>
+              <a:rPr lang="ko-KR" altLang="en-US" sz="800" dirty="0" err="1"/>
+              <a:t>자르반</a:t>
+            </a:r>
+            <a:r>
+              <a:rPr lang="ko-KR" altLang="en-US" sz="800" dirty="0"/>
+              <a:t> </a:t>
+            </a:r>
+            <a:r>
+              <a:rPr lang="en-US" altLang="ko-KR" sz="800" dirty="0"/>
+              <a:t>#</a:t>
+            </a:r>
+            <a:r>
+              <a:rPr lang="ko-KR" altLang="en-US" sz="800" dirty="0"/>
+              <a:t>롤</a:t>
+            </a:r>
+            <a:endParaRPr lang="en-US" altLang="ko-KR" sz="800" dirty="0"/>
+          </a:p>
+        </p:txBody>
+      </p:sp>
+      <p:sp>
+        <p:nvSpPr>
+          <p:cNvPr id="31" name="사각형: 둥근 모서리 30">
+            <a:extLst>
+              <a:ext uri="{FF2B5EF4-FFF2-40B4-BE49-F238E27FC236}">
+                <a16:creationId xmlns:a16="http://schemas.microsoft.com/office/drawing/2014/main" id="{3E338AF7-1102-1E47-4F27-033E6836217C}"/>
+              </a:ext>
+            </a:extLst>
+          </p:cNvPr>
+          <p:cNvSpPr/>
+          <p:nvPr/>
+        </p:nvSpPr>
+        <p:spPr>
+          <a:xfrm>
+            <a:off x="542112" y="6792444"/>
+            <a:ext cx="2798378" cy="1574340"/>
+          </a:xfrm>
+          <a:prstGeom prst="roundRect">
+            <a:avLst>
+              <a:gd name="adj" fmla="val 13717"/>
+            </a:avLst>
+          </a:prstGeom>
+        </p:spPr>
+        <p:style>
+          <a:lnRef idx="2">
+            <a:schemeClr val="dk1"/>
+          </a:lnRef>
+          <a:fillRef idx="1">
+            <a:schemeClr val="lt1"/>
+          </a:fillRef>
+          <a:effectRef idx="0">
+            <a:schemeClr val="dk1"/>
+          </a:effectRef>
+          <a:fontRef idx="minor">
+            <a:schemeClr val="dk1"/>
+          </a:fontRef>
+        </p:style>
+        <p:txBody>
+          <a:bodyPr rtlCol="0" anchor="ctr"/>
+          <a:lstStyle/>
+          <a:p>
+            <a:r>
+              <a:rPr lang="en-US" altLang="ko-KR" sz="1000" dirty="0"/>
+              <a:t>5</a:t>
+            </a:r>
+            <a:r>
+              <a:rPr lang="ko-KR" altLang="en-US" sz="1000" dirty="0"/>
+              <a:t>번 </a:t>
+            </a:r>
+            <a:r>
+              <a:rPr lang="en-US" altLang="ko-KR" sz="1000" dirty="0"/>
+              <a:t>| </a:t>
+            </a:r>
+            <a:r>
+              <a:rPr lang="ko-KR" altLang="en-US" sz="1000" dirty="0" err="1"/>
+              <a:t>환절기감기조심</a:t>
+            </a:r>
+            <a:r>
+              <a:rPr lang="en-US" altLang="ko-KR" sz="1000" dirty="0"/>
+              <a:t>	</a:t>
+            </a:r>
+            <a:r>
+              <a:rPr lang="ko-KR" altLang="en-US" sz="1000" dirty="0"/>
+              <a:t>작성자 </a:t>
+            </a:r>
+            <a:r>
+              <a:rPr lang="en-US" altLang="ko-KR" sz="1000" dirty="0"/>
+              <a:t>: </a:t>
+            </a:r>
+            <a:r>
+              <a:rPr lang="ko-KR" altLang="en-US" sz="1000" dirty="0" err="1"/>
+              <a:t>류민우</a:t>
+            </a:r>
+            <a:endParaRPr lang="en-US" altLang="ko-KR" sz="1300" dirty="0"/>
+          </a:p>
+          <a:p>
+            <a:pPr algn="ctr"/>
+            <a:endParaRPr lang="en-US" altLang="ko-KR" dirty="0"/>
+          </a:p>
+          <a:p>
+            <a:pPr algn="ctr"/>
+            <a:r>
+              <a:rPr lang="ko-KR" altLang="en-US" dirty="0"/>
+              <a:t>일상 </a:t>
+            </a:r>
+            <a:r>
+              <a:rPr lang="en-US" altLang="ko-KR" dirty="0"/>
+              <a:t>-</a:t>
+            </a:r>
+            <a:r>
+              <a:rPr lang="ko-KR" altLang="en-US" dirty="0"/>
+              <a:t> </a:t>
+            </a:r>
+            <a:r>
+              <a:rPr lang="en-US" altLang="ko-KR" dirty="0" err="1"/>
+              <a:t>Default.img</a:t>
+            </a:r>
+            <a:endParaRPr lang="en-US" altLang="ko-KR" dirty="0"/>
+          </a:p>
+          <a:p>
+            <a:endParaRPr lang="en-US" altLang="ko-KR" dirty="0"/>
+          </a:p>
+          <a:p>
+            <a:r>
+              <a:rPr lang="ko-KR" altLang="en-US" sz="1000" dirty="0"/>
+              <a:t>일상 </a:t>
+            </a:r>
+            <a:r>
+              <a:rPr lang="en-US" altLang="ko-KR" sz="1000" dirty="0"/>
+              <a:t>| 25.09.19 | 11</a:t>
+            </a:r>
+            <a:r>
+              <a:rPr lang="ko-KR" altLang="en-US" sz="1000" dirty="0"/>
+              <a:t>명  </a:t>
+            </a:r>
+            <a:endParaRPr lang="en-US" altLang="ko-KR" sz="1000" dirty="0"/>
+          </a:p>
+          <a:p>
+            <a:r>
+              <a:rPr lang="en-US" altLang="ko-KR" sz="800" dirty="0"/>
+              <a:t>#</a:t>
+            </a:r>
+            <a:r>
+              <a:rPr lang="ko-KR" altLang="en-US" sz="800" dirty="0"/>
+              <a:t>감기이슈 </a:t>
+            </a:r>
+            <a:r>
+              <a:rPr lang="en-US" altLang="ko-KR" sz="800" dirty="0"/>
+              <a:t>#</a:t>
+            </a:r>
+            <a:r>
+              <a:rPr lang="ko-KR" altLang="en-US" sz="800" dirty="0"/>
+              <a:t>조심</a:t>
+            </a:r>
+            <a:endParaRPr lang="en-US" altLang="ko-KR" sz="800" dirty="0"/>
+          </a:p>
+        </p:txBody>
+      </p:sp>
+      <p:sp>
+        <p:nvSpPr>
+          <p:cNvPr id="32" name="사각형: 둥근 모서리 31">
+            <a:extLst>
+              <a:ext uri="{FF2B5EF4-FFF2-40B4-BE49-F238E27FC236}">
+                <a16:creationId xmlns:a16="http://schemas.microsoft.com/office/drawing/2014/main" id="{ED8260E4-5842-E3C2-57D6-C14A00C084B5}"/>
+              </a:ext>
+            </a:extLst>
+          </p:cNvPr>
+          <p:cNvSpPr/>
+          <p:nvPr/>
+        </p:nvSpPr>
+        <p:spPr>
+          <a:xfrm>
+            <a:off x="3706427" y="6792444"/>
+            <a:ext cx="2798378" cy="1574340"/>
+          </a:xfrm>
+          <a:prstGeom prst="roundRect">
+            <a:avLst>
+              <a:gd name="adj" fmla="val 13717"/>
+            </a:avLst>
+          </a:prstGeom>
+        </p:spPr>
+        <p:style>
+          <a:lnRef idx="2">
+            <a:schemeClr val="dk1"/>
+          </a:lnRef>
+          <a:fillRef idx="1">
+            <a:schemeClr val="lt1"/>
+          </a:fillRef>
+          <a:effectRef idx="0">
+            <a:schemeClr val="dk1"/>
+          </a:effectRef>
+          <a:fontRef idx="minor">
+            <a:schemeClr val="dk1"/>
+          </a:fontRef>
+        </p:style>
+        <p:txBody>
+          <a:bodyPr rtlCol="0" anchor="ctr"/>
+          <a:lstStyle/>
+          <a:p>
+            <a:r>
+              <a:rPr lang="en-US" altLang="ko-KR" sz="1000" dirty="0"/>
+              <a:t>6</a:t>
+            </a:r>
+            <a:r>
+              <a:rPr lang="ko-KR" altLang="en-US" sz="1000" dirty="0"/>
+              <a:t>번 </a:t>
+            </a:r>
+            <a:r>
+              <a:rPr lang="en-US" altLang="ko-KR" sz="1000" dirty="0"/>
+              <a:t>| </a:t>
+            </a:r>
+            <a:r>
+              <a:rPr lang="ko-KR" altLang="en-US" sz="1000" dirty="0" err="1"/>
+              <a:t>오늘롤체다이아찍ㅇ</a:t>
+            </a:r>
+            <a:r>
+              <a:rPr lang="ko-KR" altLang="en-US" sz="1000" dirty="0"/>
+              <a:t> 작성자 </a:t>
+            </a:r>
+            <a:r>
+              <a:rPr lang="en-US" altLang="ko-KR" sz="1000" dirty="0"/>
+              <a:t>: </a:t>
+            </a:r>
+            <a:r>
+              <a:rPr lang="ko-KR" altLang="en-US" sz="1000" dirty="0" err="1"/>
+              <a:t>류민우</a:t>
+            </a:r>
+            <a:endParaRPr lang="en-US" altLang="ko-KR" sz="1300" dirty="0"/>
+          </a:p>
+          <a:p>
+            <a:pPr algn="ctr"/>
+            <a:endParaRPr lang="en-US" altLang="ko-KR" dirty="0"/>
+          </a:p>
+          <a:p>
+            <a:pPr algn="ctr"/>
+            <a:r>
+              <a:rPr lang="ko-KR" altLang="en-US" dirty="0"/>
+              <a:t>게임 </a:t>
+            </a:r>
+            <a:r>
+              <a:rPr lang="en-US" altLang="ko-KR" dirty="0"/>
+              <a:t>- </a:t>
+            </a:r>
+            <a:r>
+              <a:rPr lang="en-US" altLang="ko-KR" dirty="0" err="1"/>
+              <a:t>Default.img</a:t>
+            </a:r>
+            <a:endParaRPr lang="en-US" altLang="ko-KR" dirty="0"/>
+          </a:p>
+          <a:p>
+            <a:endParaRPr lang="en-US" altLang="ko-KR" dirty="0"/>
+          </a:p>
+          <a:p>
+            <a:r>
+              <a:rPr lang="ko-KR" altLang="en-US" sz="1000" dirty="0"/>
+              <a:t>게임 </a:t>
+            </a:r>
+            <a:r>
+              <a:rPr lang="en-US" altLang="ko-KR" sz="1000" dirty="0"/>
+              <a:t>| 25.09.19 | 11</a:t>
+            </a:r>
+            <a:r>
+              <a:rPr lang="ko-KR" altLang="en-US" sz="1000" dirty="0"/>
+              <a:t>명  </a:t>
+            </a:r>
+            <a:endParaRPr lang="en-US" altLang="ko-KR" sz="1000" dirty="0"/>
+          </a:p>
+          <a:p>
+            <a:r>
+              <a:rPr lang="en-US" altLang="ko-KR" sz="800" dirty="0"/>
+              <a:t>#</a:t>
+            </a:r>
+            <a:r>
+              <a:rPr lang="ko-KR" altLang="en-US" sz="800" dirty="0" err="1"/>
+              <a:t>롤토체스</a:t>
+            </a:r>
+            <a:r>
+              <a:rPr lang="ko-KR" altLang="en-US" sz="800" dirty="0"/>
+              <a:t> </a:t>
+            </a:r>
+            <a:r>
+              <a:rPr lang="en-US" altLang="ko-KR" sz="800" dirty="0"/>
+              <a:t>#</a:t>
+            </a:r>
+            <a:r>
+              <a:rPr lang="ko-KR" altLang="en-US" sz="800" dirty="0" err="1"/>
+              <a:t>롤체</a:t>
+            </a:r>
+            <a:r>
+              <a:rPr lang="ko-KR" altLang="en-US" sz="800" dirty="0"/>
+              <a:t> </a:t>
+            </a:r>
+            <a:r>
+              <a:rPr lang="en-US" altLang="ko-KR" sz="800" dirty="0"/>
+              <a:t>#</a:t>
+            </a:r>
+            <a:r>
+              <a:rPr lang="ko-KR" altLang="en-US" sz="800" dirty="0"/>
+              <a:t>롤 </a:t>
+            </a:r>
+            <a:endParaRPr lang="en-US" altLang="ko-KR" sz="800" dirty="0"/>
+          </a:p>
+        </p:txBody>
+      </p:sp>
+      <p:pic>
+        <p:nvPicPr>
+          <p:cNvPr id="1028" name="Picture 4" descr="창원 답례품 신월동 카페만종 곰돌이마들렌 케이크 : 네이버 블로그">
+            <a:extLst>
+              <a:ext uri="{FF2B5EF4-FFF2-40B4-BE49-F238E27FC236}">
+                <a16:creationId xmlns:a16="http://schemas.microsoft.com/office/drawing/2014/main" id="{7F2603DC-1362-F5A8-5CE5-61F6816B6AE4}"/>
+              </a:ext>
+            </a:extLst>
+          </p:cNvPr>
+          <p:cNvPicPr>
+            <a:picLocks noChangeAspect="1" noChangeArrowheads="1"/>
+          </p:cNvPicPr>
+          <p:nvPr/>
+        </p:nvPicPr>
+        <p:blipFill>
+          <a:blip r:embed="rId6">
+            <a:extLst>
+              <a:ext uri="{28A0092B-C50C-407E-A947-70E740481C1C}">
+                <a14:useLocalDpi xmlns:a14="http://schemas.microsoft.com/office/drawing/2010/main" val="0"/>
+              </a:ext>
+            </a:extLst>
+          </a:blip>
+          <a:srcRect/>
+          <a:stretch>
+            <a:fillRect/>
+          </a:stretch>
+        </p:blipFill>
+        <p:spPr bwMode="auto">
+          <a:xfrm>
+            <a:off x="905494" y="5215076"/>
+            <a:ext cx="1993377" cy="956288"/>
+          </a:xfrm>
+          <a:prstGeom prst="rect">
+            <a:avLst/>
+          </a:prstGeom>
+          <a:noFill/>
+          <a:extLst>
+            <a:ext uri="{909E8E84-426E-40DD-AFC4-6F175D3DCCD1}">
+              <a14:hiddenFill xmlns:a14="http://schemas.microsoft.com/office/drawing/2010/main">
+                <a:solidFill>
+                  <a:srgbClr val="FFFFFF"/>
+                </a:solidFill>
+              </a14:hiddenFill>
+            </a:ext>
+          </a:extLst>
+        </p:spPr>
+      </p:pic>
+      <p:pic>
+        <p:nvPicPr>
+          <p:cNvPr id="1030" name="Picture 6" descr="리그 오브 레전드 - 리그 오브 레전드 added a new photo.">
+            <a:extLst>
+              <a:ext uri="{FF2B5EF4-FFF2-40B4-BE49-F238E27FC236}">
+                <a16:creationId xmlns:a16="http://schemas.microsoft.com/office/drawing/2014/main" id="{7C4F44FF-B96F-9ED9-7D0E-FB58643BA327}"/>
+              </a:ext>
+            </a:extLst>
+          </p:cNvPr>
+          <p:cNvPicPr>
+            <a:picLocks noChangeAspect="1" noChangeArrowheads="1"/>
+          </p:cNvPicPr>
+          <p:nvPr/>
+        </p:nvPicPr>
+        <p:blipFill>
+          <a:blip r:embed="rId7">
+            <a:extLst>
+              <a:ext uri="{28A0092B-C50C-407E-A947-70E740481C1C}">
+                <a14:useLocalDpi xmlns:a14="http://schemas.microsoft.com/office/drawing/2010/main" val="0"/>
+              </a:ext>
+            </a:extLst>
+          </a:blip>
+          <a:srcRect/>
+          <a:stretch>
+            <a:fillRect/>
+          </a:stretch>
+        </p:blipFill>
+        <p:spPr bwMode="auto">
+          <a:xfrm>
+            <a:off x="4210558" y="5199456"/>
+            <a:ext cx="1883479" cy="960690"/>
+          </a:xfrm>
+          <a:prstGeom prst="rect">
+            <a:avLst/>
+          </a:prstGeom>
+          <a:noFill/>
+          <a:extLst>
+            <a:ext uri="{909E8E84-426E-40DD-AFC4-6F175D3DCCD1}">
+              <a14:hiddenFill xmlns:a14="http://schemas.microsoft.com/office/drawing/2010/main">
+                <a:solidFill>
+                  <a:srgbClr val="FFFFFF"/>
+                </a:solidFill>
+              </a14:hiddenFill>
+            </a:ext>
+          </a:extLst>
+        </p:spPr>
+      </p:pic>
+      <p:sp>
+        <p:nvSpPr>
+          <p:cNvPr id="33" name="이등변 삼각형 32">
+            <a:extLst>
+              <a:ext uri="{FF2B5EF4-FFF2-40B4-BE49-F238E27FC236}">
+                <a16:creationId xmlns:a16="http://schemas.microsoft.com/office/drawing/2014/main" id="{A2EC8D40-3DA0-82F2-112E-76B5DFC1F16D}"/>
+              </a:ext>
+            </a:extLst>
+          </p:cNvPr>
+          <p:cNvSpPr/>
+          <p:nvPr/>
+        </p:nvSpPr>
+        <p:spPr>
+          <a:xfrm rot="5400000">
+            <a:off x="3576943" y="8797558"/>
+            <a:ext cx="128108" cy="130860"/>
+          </a:xfrm>
+          <a:prstGeom prst="triangle">
+            <a:avLst/>
+          </a:prstGeom>
+        </p:spPr>
+        <p:style>
+          <a:lnRef idx="2">
+            <a:schemeClr val="accent1">
+              <a:shade val="15000"/>
+            </a:schemeClr>
+          </a:lnRef>
+          <a:fillRef idx="1">
+            <a:schemeClr val="accent1"/>
+          </a:fillRef>
+          <a:effectRef idx="0">
+            <a:schemeClr val="accent1"/>
+          </a:effectRef>
+          <a:fontRef idx="minor">
+            <a:schemeClr val="lt1"/>
+          </a:fontRef>
+        </p:style>
+        <p:txBody>
+          <a:bodyPr rtlCol="0" anchor="ctr"/>
+          <a:lstStyle/>
+          <a:p>
+            <a:pPr algn="ctr"/>
+            <a:endParaRPr lang="ko-KR" altLang="en-US"/>
+          </a:p>
+        </p:txBody>
+      </p:sp>
+      <p:pic>
+        <p:nvPicPr>
+          <p:cNvPr id="1026" name="Picture 2" descr="애니멀봐 : 나는 태어난 지 4개월 된 랙돌 새끼다 [애니멀봐 나새끼 110호] : SBS">
+            <a:extLst>
+              <a:ext uri="{FF2B5EF4-FFF2-40B4-BE49-F238E27FC236}">
+                <a16:creationId xmlns:a16="http://schemas.microsoft.com/office/drawing/2014/main" id="{04F113FB-BC5B-3E81-A60D-F87E960E0F6B}"/>
+              </a:ext>
+            </a:extLst>
+          </p:cNvPr>
+          <p:cNvPicPr>
+            <a:picLocks noChangeAspect="1" noChangeArrowheads="1"/>
+          </p:cNvPicPr>
+          <p:nvPr/>
+        </p:nvPicPr>
+        <p:blipFill>
+          <a:blip r:embed="rId8">
+            <a:extLst>
+              <a:ext uri="{28A0092B-C50C-407E-A947-70E740481C1C}">
+                <a14:useLocalDpi xmlns:a14="http://schemas.microsoft.com/office/drawing/2010/main" val="0"/>
+              </a:ext>
+            </a:extLst>
+          </a:blip>
+          <a:srcRect/>
+          <a:stretch>
+            <a:fillRect/>
+          </a:stretch>
+        </p:blipFill>
+        <p:spPr bwMode="auto">
+          <a:xfrm>
+            <a:off x="961698" y="3514967"/>
+            <a:ext cx="1937173" cy="983192"/>
+          </a:xfrm>
+          <a:prstGeom prst="rect">
+            <a:avLst/>
+          </a:prstGeom>
+          <a:noFill/>
+          <a:extLst>
+            <a:ext uri="{909E8E84-426E-40DD-AFC4-6F175D3DCCD1}">
+              <a14:hiddenFill xmlns:a14="http://schemas.microsoft.com/office/drawing/2010/main">
+                <a:solidFill>
+                  <a:srgbClr val="FFFFFF"/>
+                </a:solidFill>
+              </a14:hiddenFill>
+            </a:ext>
+          </a:extLst>
+        </p:spPr>
+      </p:pic>
+      <p:sp>
+        <p:nvSpPr>
+          <p:cNvPr id="35" name="사각형: 둥근 모서리 34">
+            <a:extLst>
+              <a:ext uri="{FF2B5EF4-FFF2-40B4-BE49-F238E27FC236}">
+                <a16:creationId xmlns:a16="http://schemas.microsoft.com/office/drawing/2014/main" id="{C7A461E8-ECAB-F3BC-8E69-9E10385097BB}"/>
+              </a:ext>
+            </a:extLst>
+          </p:cNvPr>
+          <p:cNvSpPr/>
+          <p:nvPr/>
+        </p:nvSpPr>
+        <p:spPr>
+          <a:xfrm>
+            <a:off x="2004223" y="4628483"/>
+            <a:ext cx="453511" cy="166042"/>
+          </a:xfrm>
+          <a:prstGeom prst="roundRect">
+            <a:avLst/>
+          </a:prstGeom>
+        </p:spPr>
+        <p:style>
+          <a:lnRef idx="2">
+            <a:schemeClr val="dk1"/>
+          </a:lnRef>
+          <a:fillRef idx="1">
+            <a:schemeClr val="lt1"/>
+          </a:fillRef>
+          <a:effectRef idx="0">
+            <a:schemeClr val="dk1"/>
+          </a:effectRef>
+          <a:fontRef idx="minor">
+            <a:schemeClr val="dk1"/>
+          </a:fontRef>
+        </p:style>
+        <p:txBody>
+          <a:bodyPr rtlCol="0" anchor="ctr"/>
+          <a:lstStyle/>
+          <a:p>
+            <a:r>
+              <a:rPr lang="ko-KR" altLang="en-US" sz="1000" dirty="0"/>
+              <a:t>복구</a:t>
+            </a:r>
+          </a:p>
+        </p:txBody>
+      </p:sp>
+      <p:sp>
+        <p:nvSpPr>
+          <p:cNvPr id="36" name="사각형: 둥근 모서리 35">
+            <a:extLst>
+              <a:ext uri="{FF2B5EF4-FFF2-40B4-BE49-F238E27FC236}">
+                <a16:creationId xmlns:a16="http://schemas.microsoft.com/office/drawing/2014/main" id="{215DA7C2-A9C6-B4E8-1CD9-E323DBBD7885}"/>
+              </a:ext>
+            </a:extLst>
+          </p:cNvPr>
+          <p:cNvSpPr/>
+          <p:nvPr/>
+        </p:nvSpPr>
+        <p:spPr>
+          <a:xfrm>
+            <a:off x="2501434" y="4629926"/>
+            <a:ext cx="453511" cy="166042"/>
+          </a:xfrm>
+          <a:prstGeom prst="roundRect">
+            <a:avLst/>
+          </a:prstGeom>
+        </p:spPr>
+        <p:style>
+          <a:lnRef idx="2">
+            <a:schemeClr val="dk1"/>
+          </a:lnRef>
+          <a:fillRef idx="1">
+            <a:schemeClr val="lt1"/>
+          </a:fillRef>
+          <a:effectRef idx="0">
+            <a:schemeClr val="dk1"/>
+          </a:effectRef>
+          <a:fontRef idx="minor">
+            <a:schemeClr val="dk1"/>
+          </a:fontRef>
+        </p:style>
+        <p:txBody>
+          <a:bodyPr rtlCol="0" anchor="ctr"/>
+          <a:lstStyle/>
+          <a:p>
+            <a:r>
+              <a:rPr lang="ko-KR" altLang="en-US" sz="1000" dirty="0"/>
+              <a:t>삭제</a:t>
+            </a:r>
+          </a:p>
+        </p:txBody>
+      </p:sp>
+      <p:pic>
+        <p:nvPicPr>
+          <p:cNvPr id="39" name="Picture 34" descr="심장 ">
+            <a:extLst>
+              <a:ext uri="{FF2B5EF4-FFF2-40B4-BE49-F238E27FC236}">
+                <a16:creationId xmlns:a16="http://schemas.microsoft.com/office/drawing/2014/main" id="{726B406F-5D96-3407-E051-15BD0920117D}"/>
+              </a:ext>
+            </a:extLst>
+          </p:cNvPr>
+          <p:cNvPicPr>
+            <a:picLocks noChangeAspect="1" noChangeArrowheads="1"/>
+          </p:cNvPicPr>
+          <p:nvPr/>
+        </p:nvPicPr>
+        <p:blipFill>
+          <a:blip r:embed="rId4">
+            <a:extLst>
+              <a:ext uri="{28A0092B-C50C-407E-A947-70E740481C1C}">
+                <a14:useLocalDpi xmlns:a14="http://schemas.microsoft.com/office/drawing/2010/main" val="0"/>
+              </a:ext>
+            </a:extLst>
+          </a:blip>
+          <a:srcRect/>
+          <a:stretch>
+            <a:fillRect/>
+          </a:stretch>
+        </p:blipFill>
+        <p:spPr bwMode="auto">
+          <a:xfrm flipH="1">
+            <a:off x="2996822" y="4582838"/>
+            <a:ext cx="234243" cy="234243"/>
+          </a:xfrm>
+          <a:prstGeom prst="rect">
+            <a:avLst/>
+          </a:prstGeom>
+          <a:noFill/>
+          <a:extLst>
+            <a:ext uri="{909E8E84-426E-40DD-AFC4-6F175D3DCCD1}">
+              <a14:hiddenFill xmlns:a14="http://schemas.microsoft.com/office/drawing/2010/main">
+                <a:solidFill>
+                  <a:srgbClr val="FFFFFF"/>
+                </a:solidFill>
+              </a14:hiddenFill>
+            </a:ext>
+          </a:extLst>
+        </p:spPr>
+      </p:pic>
+      <p:sp>
+        <p:nvSpPr>
+          <p:cNvPr id="51" name="사각형: 둥근 모서리 50">
+            <a:extLst>
+              <a:ext uri="{FF2B5EF4-FFF2-40B4-BE49-F238E27FC236}">
+                <a16:creationId xmlns:a16="http://schemas.microsoft.com/office/drawing/2014/main" id="{F365588D-C1E5-3B63-9F96-F290E84654DD}"/>
+              </a:ext>
+            </a:extLst>
+          </p:cNvPr>
+          <p:cNvSpPr/>
+          <p:nvPr/>
+        </p:nvSpPr>
+        <p:spPr>
+          <a:xfrm>
+            <a:off x="1995750" y="6294810"/>
+            <a:ext cx="453511" cy="166042"/>
+          </a:xfrm>
+          <a:prstGeom prst="roundRect">
+            <a:avLst/>
+          </a:prstGeom>
+        </p:spPr>
+        <p:style>
+          <a:lnRef idx="2">
+            <a:schemeClr val="dk1"/>
+          </a:lnRef>
+          <a:fillRef idx="1">
+            <a:schemeClr val="lt1"/>
+          </a:fillRef>
+          <a:effectRef idx="0">
+            <a:schemeClr val="dk1"/>
+          </a:effectRef>
+          <a:fontRef idx="minor">
+            <a:schemeClr val="dk1"/>
+          </a:fontRef>
+        </p:style>
+        <p:txBody>
+          <a:bodyPr rtlCol="0" anchor="ctr"/>
+          <a:lstStyle/>
+          <a:p>
+            <a:r>
+              <a:rPr lang="ko-KR" altLang="en-US" sz="1000" dirty="0"/>
+              <a:t>복구</a:t>
+            </a:r>
+          </a:p>
+        </p:txBody>
+      </p:sp>
+      <p:sp>
+        <p:nvSpPr>
+          <p:cNvPr id="52" name="사각형: 둥근 모서리 51">
+            <a:extLst>
+              <a:ext uri="{FF2B5EF4-FFF2-40B4-BE49-F238E27FC236}">
+                <a16:creationId xmlns:a16="http://schemas.microsoft.com/office/drawing/2014/main" id="{133167D1-1A76-2912-B5FB-ED2B9E111AE5}"/>
+              </a:ext>
+            </a:extLst>
+          </p:cNvPr>
+          <p:cNvSpPr/>
+          <p:nvPr/>
+        </p:nvSpPr>
+        <p:spPr>
+          <a:xfrm>
+            <a:off x="2492961" y="6296253"/>
+            <a:ext cx="453511" cy="166042"/>
+          </a:xfrm>
+          <a:prstGeom prst="roundRect">
+            <a:avLst/>
+          </a:prstGeom>
+        </p:spPr>
+        <p:style>
+          <a:lnRef idx="2">
+            <a:schemeClr val="dk1"/>
+          </a:lnRef>
+          <a:fillRef idx="1">
+            <a:schemeClr val="lt1"/>
+          </a:fillRef>
+          <a:effectRef idx="0">
+            <a:schemeClr val="dk1"/>
+          </a:effectRef>
+          <a:fontRef idx="minor">
+            <a:schemeClr val="dk1"/>
+          </a:fontRef>
+        </p:style>
+        <p:txBody>
+          <a:bodyPr rtlCol="0" anchor="ctr"/>
+          <a:lstStyle/>
+          <a:p>
+            <a:r>
+              <a:rPr lang="ko-KR" altLang="en-US" sz="1000" dirty="0"/>
+              <a:t>삭제</a:t>
+            </a:r>
+          </a:p>
+        </p:txBody>
+      </p:sp>
+      <p:pic>
+        <p:nvPicPr>
+          <p:cNvPr id="53" name="Picture 34" descr="심장 ">
+            <a:extLst>
+              <a:ext uri="{FF2B5EF4-FFF2-40B4-BE49-F238E27FC236}">
+                <a16:creationId xmlns:a16="http://schemas.microsoft.com/office/drawing/2014/main" id="{EF5A9D8F-78AB-AB47-FC85-5F2A1B940083}"/>
+              </a:ext>
+            </a:extLst>
+          </p:cNvPr>
+          <p:cNvPicPr>
+            <a:picLocks noChangeAspect="1" noChangeArrowheads="1"/>
+          </p:cNvPicPr>
+          <p:nvPr/>
+        </p:nvPicPr>
+        <p:blipFill>
+          <a:blip r:embed="rId4">
+            <a:extLst>
+              <a:ext uri="{28A0092B-C50C-407E-A947-70E740481C1C}">
+                <a14:useLocalDpi xmlns:a14="http://schemas.microsoft.com/office/drawing/2010/main" val="0"/>
+              </a:ext>
+            </a:extLst>
+          </a:blip>
+          <a:srcRect/>
+          <a:stretch>
+            <a:fillRect/>
+          </a:stretch>
+        </p:blipFill>
+        <p:spPr bwMode="auto">
+          <a:xfrm flipH="1">
+            <a:off x="2988349" y="6249165"/>
+            <a:ext cx="234243" cy="234243"/>
+          </a:xfrm>
+          <a:prstGeom prst="rect">
+            <a:avLst/>
+          </a:prstGeom>
+          <a:noFill/>
+          <a:extLst>
+            <a:ext uri="{909E8E84-426E-40DD-AFC4-6F175D3DCCD1}">
+              <a14:hiddenFill xmlns:a14="http://schemas.microsoft.com/office/drawing/2010/main">
+                <a:solidFill>
+                  <a:srgbClr val="FFFFFF"/>
+                </a:solidFill>
+              </a14:hiddenFill>
+            </a:ext>
+          </a:extLst>
+        </p:spPr>
+      </p:pic>
+      <p:sp>
+        <p:nvSpPr>
+          <p:cNvPr id="54" name="사각형: 둥근 모서리 53">
+            <a:extLst>
+              <a:ext uri="{FF2B5EF4-FFF2-40B4-BE49-F238E27FC236}">
+                <a16:creationId xmlns:a16="http://schemas.microsoft.com/office/drawing/2014/main" id="{F5876066-AE7B-D183-F87F-C76F20CB8819}"/>
+              </a:ext>
+            </a:extLst>
+          </p:cNvPr>
+          <p:cNvSpPr/>
+          <p:nvPr/>
+        </p:nvSpPr>
+        <p:spPr>
+          <a:xfrm>
+            <a:off x="5192349" y="6300156"/>
+            <a:ext cx="453511" cy="166042"/>
+          </a:xfrm>
+          <a:prstGeom prst="roundRect">
+            <a:avLst/>
+          </a:prstGeom>
+        </p:spPr>
+        <p:style>
+          <a:lnRef idx="2">
+            <a:schemeClr val="dk1"/>
+          </a:lnRef>
+          <a:fillRef idx="1">
+            <a:schemeClr val="lt1"/>
+          </a:fillRef>
+          <a:effectRef idx="0">
+            <a:schemeClr val="dk1"/>
+          </a:effectRef>
+          <a:fontRef idx="minor">
+            <a:schemeClr val="dk1"/>
+          </a:fontRef>
+        </p:style>
+        <p:txBody>
+          <a:bodyPr rtlCol="0" anchor="ctr"/>
+          <a:lstStyle/>
+          <a:p>
+            <a:r>
+              <a:rPr lang="ko-KR" altLang="en-US" sz="1000" dirty="0"/>
+              <a:t>복구</a:t>
+            </a:r>
+          </a:p>
+        </p:txBody>
+      </p:sp>
+      <p:sp>
+        <p:nvSpPr>
+          <p:cNvPr id="57" name="사각형: 둥근 모서리 56">
+            <a:extLst>
+              <a:ext uri="{FF2B5EF4-FFF2-40B4-BE49-F238E27FC236}">
+                <a16:creationId xmlns:a16="http://schemas.microsoft.com/office/drawing/2014/main" id="{42C9035A-9724-B63E-7A03-7FC6D4FB8C71}"/>
+              </a:ext>
+            </a:extLst>
+          </p:cNvPr>
+          <p:cNvSpPr/>
+          <p:nvPr/>
+        </p:nvSpPr>
+        <p:spPr>
+          <a:xfrm>
+            <a:off x="5689560" y="6301599"/>
+            <a:ext cx="453511" cy="166042"/>
+          </a:xfrm>
+          <a:prstGeom prst="roundRect">
+            <a:avLst/>
+          </a:prstGeom>
+        </p:spPr>
+        <p:style>
+          <a:lnRef idx="2">
+            <a:schemeClr val="dk1"/>
+          </a:lnRef>
+          <a:fillRef idx="1">
+            <a:schemeClr val="lt1"/>
+          </a:fillRef>
+          <a:effectRef idx="0">
+            <a:schemeClr val="dk1"/>
+          </a:effectRef>
+          <a:fontRef idx="minor">
+            <a:schemeClr val="dk1"/>
+          </a:fontRef>
+        </p:style>
+        <p:txBody>
+          <a:bodyPr rtlCol="0" anchor="ctr"/>
+          <a:lstStyle/>
+          <a:p>
+            <a:r>
+              <a:rPr lang="ko-KR" altLang="en-US" sz="1000" dirty="0"/>
+              <a:t>삭제</a:t>
+            </a:r>
+          </a:p>
+        </p:txBody>
+      </p:sp>
+      <p:pic>
+        <p:nvPicPr>
+          <p:cNvPr id="1025" name="Picture 34" descr="심장 ">
+            <a:extLst>
+              <a:ext uri="{FF2B5EF4-FFF2-40B4-BE49-F238E27FC236}">
+                <a16:creationId xmlns:a16="http://schemas.microsoft.com/office/drawing/2014/main" id="{12E25067-9DC2-7EAD-6407-A7A1C5BE0BBA}"/>
+              </a:ext>
+            </a:extLst>
+          </p:cNvPr>
+          <p:cNvPicPr>
+            <a:picLocks noChangeAspect="1" noChangeArrowheads="1"/>
+          </p:cNvPicPr>
+          <p:nvPr/>
+        </p:nvPicPr>
+        <p:blipFill>
+          <a:blip r:embed="rId4">
+            <a:extLst>
+              <a:ext uri="{28A0092B-C50C-407E-A947-70E740481C1C}">
+                <a14:useLocalDpi xmlns:a14="http://schemas.microsoft.com/office/drawing/2010/main" val="0"/>
+              </a:ext>
+            </a:extLst>
+          </a:blip>
+          <a:srcRect/>
+          <a:stretch>
+            <a:fillRect/>
+          </a:stretch>
+        </p:blipFill>
+        <p:spPr bwMode="auto">
+          <a:xfrm flipH="1">
+            <a:off x="6184948" y="6254511"/>
+            <a:ext cx="234243" cy="234243"/>
+          </a:xfrm>
+          <a:prstGeom prst="rect">
+            <a:avLst/>
+          </a:prstGeom>
+          <a:noFill/>
+          <a:extLst>
+            <a:ext uri="{909E8E84-426E-40DD-AFC4-6F175D3DCCD1}">
+              <a14:hiddenFill xmlns:a14="http://schemas.microsoft.com/office/drawing/2010/main">
+                <a:solidFill>
+                  <a:srgbClr val="FFFFFF"/>
+                </a:solidFill>
+              </a14:hiddenFill>
+            </a:ext>
+          </a:extLst>
+        </p:spPr>
+      </p:pic>
+      <p:sp>
+        <p:nvSpPr>
+          <p:cNvPr id="1027" name="사각형: 둥근 모서리 1026">
+            <a:extLst>
+              <a:ext uri="{FF2B5EF4-FFF2-40B4-BE49-F238E27FC236}">
+                <a16:creationId xmlns:a16="http://schemas.microsoft.com/office/drawing/2014/main" id="{BDEF5B70-EEA3-F1D1-B4D5-7B5ECB26CCB6}"/>
+              </a:ext>
+            </a:extLst>
+          </p:cNvPr>
+          <p:cNvSpPr/>
+          <p:nvPr/>
+        </p:nvSpPr>
+        <p:spPr>
+          <a:xfrm>
+            <a:off x="2046100" y="8123427"/>
+            <a:ext cx="453511" cy="166042"/>
+          </a:xfrm>
+          <a:prstGeom prst="roundRect">
+            <a:avLst/>
+          </a:prstGeom>
+        </p:spPr>
+        <p:style>
+          <a:lnRef idx="2">
+            <a:schemeClr val="dk1"/>
+          </a:lnRef>
+          <a:fillRef idx="1">
+            <a:schemeClr val="lt1"/>
+          </a:fillRef>
+          <a:effectRef idx="0">
+            <a:schemeClr val="dk1"/>
+          </a:effectRef>
+          <a:fontRef idx="minor">
+            <a:schemeClr val="dk1"/>
+          </a:fontRef>
+        </p:style>
+        <p:txBody>
+          <a:bodyPr rtlCol="0" anchor="ctr"/>
+          <a:lstStyle/>
+          <a:p>
+            <a:r>
+              <a:rPr lang="ko-KR" altLang="en-US" sz="1000" dirty="0"/>
+              <a:t>복구</a:t>
+            </a:r>
+          </a:p>
+        </p:txBody>
+      </p:sp>
+      <p:sp>
+        <p:nvSpPr>
+          <p:cNvPr id="1029" name="사각형: 둥근 모서리 1028">
+            <a:extLst>
+              <a:ext uri="{FF2B5EF4-FFF2-40B4-BE49-F238E27FC236}">
+                <a16:creationId xmlns:a16="http://schemas.microsoft.com/office/drawing/2014/main" id="{D9F5E8C3-52B7-FD2C-B8A6-CD87B8F5733A}"/>
+              </a:ext>
+            </a:extLst>
+          </p:cNvPr>
+          <p:cNvSpPr/>
+          <p:nvPr/>
+        </p:nvSpPr>
+        <p:spPr>
+          <a:xfrm>
+            <a:off x="2543311" y="8124870"/>
+            <a:ext cx="453511" cy="166042"/>
+          </a:xfrm>
+          <a:prstGeom prst="roundRect">
+            <a:avLst/>
+          </a:prstGeom>
+        </p:spPr>
+        <p:style>
+          <a:lnRef idx="2">
+            <a:schemeClr val="dk1"/>
+          </a:lnRef>
+          <a:fillRef idx="1">
+            <a:schemeClr val="lt1"/>
+          </a:fillRef>
+          <a:effectRef idx="0">
+            <a:schemeClr val="dk1"/>
+          </a:effectRef>
+          <a:fontRef idx="minor">
+            <a:schemeClr val="dk1"/>
+          </a:fontRef>
+        </p:style>
+        <p:txBody>
+          <a:bodyPr rtlCol="0" anchor="ctr"/>
+          <a:lstStyle/>
+          <a:p>
+            <a:r>
+              <a:rPr lang="ko-KR" altLang="en-US" sz="1000" dirty="0"/>
+              <a:t>삭제</a:t>
+            </a:r>
+          </a:p>
+        </p:txBody>
+      </p:sp>
+      <p:pic>
+        <p:nvPicPr>
+          <p:cNvPr id="1033" name="Picture 34" descr="심장 ">
+            <a:extLst>
+              <a:ext uri="{FF2B5EF4-FFF2-40B4-BE49-F238E27FC236}">
+                <a16:creationId xmlns:a16="http://schemas.microsoft.com/office/drawing/2014/main" id="{960E3A05-44B2-3960-E994-0A710E4E38E1}"/>
+              </a:ext>
+            </a:extLst>
+          </p:cNvPr>
+          <p:cNvPicPr>
+            <a:picLocks noChangeAspect="1" noChangeArrowheads="1"/>
+          </p:cNvPicPr>
+          <p:nvPr/>
+        </p:nvPicPr>
+        <p:blipFill>
+          <a:blip r:embed="rId4">
+            <a:extLst>
+              <a:ext uri="{28A0092B-C50C-407E-A947-70E740481C1C}">
+                <a14:useLocalDpi xmlns:a14="http://schemas.microsoft.com/office/drawing/2010/main" val="0"/>
+              </a:ext>
+            </a:extLst>
+          </a:blip>
+          <a:srcRect/>
+          <a:stretch>
+            <a:fillRect/>
+          </a:stretch>
+        </p:blipFill>
+        <p:spPr bwMode="auto">
+          <a:xfrm flipH="1">
+            <a:off x="3038699" y="8077782"/>
+            <a:ext cx="234243" cy="234243"/>
+          </a:xfrm>
+          <a:prstGeom prst="rect">
+            <a:avLst/>
+          </a:prstGeom>
+          <a:noFill/>
+          <a:extLst>
+            <a:ext uri="{909E8E84-426E-40DD-AFC4-6F175D3DCCD1}">
+              <a14:hiddenFill xmlns:a14="http://schemas.microsoft.com/office/drawing/2010/main">
+                <a:solidFill>
+                  <a:srgbClr val="FFFFFF"/>
+                </a:solidFill>
+              </a14:hiddenFill>
+            </a:ext>
+          </a:extLst>
+        </p:spPr>
+      </p:pic>
+      <p:sp>
+        <p:nvSpPr>
+          <p:cNvPr id="1034" name="사각형: 둥근 모서리 1033">
+            <a:extLst>
+              <a:ext uri="{FF2B5EF4-FFF2-40B4-BE49-F238E27FC236}">
+                <a16:creationId xmlns:a16="http://schemas.microsoft.com/office/drawing/2014/main" id="{9302A45C-EEF2-115A-E394-F56C2A34FF41}"/>
+              </a:ext>
+            </a:extLst>
+          </p:cNvPr>
+          <p:cNvSpPr/>
+          <p:nvPr/>
+        </p:nvSpPr>
+        <p:spPr>
+          <a:xfrm>
+            <a:off x="5192349" y="8144540"/>
+            <a:ext cx="453511" cy="166042"/>
+          </a:xfrm>
+          <a:prstGeom prst="roundRect">
+            <a:avLst/>
+          </a:prstGeom>
+        </p:spPr>
+        <p:style>
+          <a:lnRef idx="2">
+            <a:schemeClr val="dk1"/>
+          </a:lnRef>
+          <a:fillRef idx="1">
+            <a:schemeClr val="lt1"/>
+          </a:fillRef>
+          <a:effectRef idx="0">
+            <a:schemeClr val="dk1"/>
+          </a:effectRef>
+          <a:fontRef idx="minor">
+            <a:schemeClr val="dk1"/>
+          </a:fontRef>
+        </p:style>
+        <p:txBody>
+          <a:bodyPr rtlCol="0" anchor="ctr"/>
+          <a:lstStyle/>
+          <a:p>
+            <a:r>
+              <a:rPr lang="ko-KR" altLang="en-US" sz="1000" dirty="0"/>
+              <a:t>복구</a:t>
+            </a:r>
+          </a:p>
+        </p:txBody>
+      </p:sp>
+      <p:sp>
+        <p:nvSpPr>
+          <p:cNvPr id="1035" name="사각형: 둥근 모서리 1034">
+            <a:extLst>
+              <a:ext uri="{FF2B5EF4-FFF2-40B4-BE49-F238E27FC236}">
+                <a16:creationId xmlns:a16="http://schemas.microsoft.com/office/drawing/2014/main" id="{48E5E1F6-E926-3C61-9DF2-7A919F44D258}"/>
+              </a:ext>
+            </a:extLst>
+          </p:cNvPr>
+          <p:cNvSpPr/>
+          <p:nvPr/>
+        </p:nvSpPr>
+        <p:spPr>
+          <a:xfrm>
+            <a:off x="5689560" y="8145983"/>
+            <a:ext cx="453511" cy="166042"/>
+          </a:xfrm>
+          <a:prstGeom prst="roundRect">
+            <a:avLst/>
+          </a:prstGeom>
+        </p:spPr>
+        <p:style>
+          <a:lnRef idx="2">
+            <a:schemeClr val="dk1"/>
+          </a:lnRef>
+          <a:fillRef idx="1">
+            <a:schemeClr val="lt1"/>
+          </a:fillRef>
+          <a:effectRef idx="0">
+            <a:schemeClr val="dk1"/>
+          </a:effectRef>
+          <a:fontRef idx="minor">
+            <a:schemeClr val="dk1"/>
+          </a:fontRef>
+        </p:style>
+        <p:txBody>
+          <a:bodyPr rtlCol="0" anchor="ctr"/>
+          <a:lstStyle/>
+          <a:p>
+            <a:r>
+              <a:rPr lang="ko-KR" altLang="en-US" sz="1000" dirty="0"/>
+              <a:t>삭제</a:t>
+            </a:r>
+          </a:p>
+        </p:txBody>
+      </p:sp>
+      <p:pic>
+        <p:nvPicPr>
+          <p:cNvPr id="1036" name="Picture 34" descr="심장 ">
+            <a:extLst>
+              <a:ext uri="{FF2B5EF4-FFF2-40B4-BE49-F238E27FC236}">
+                <a16:creationId xmlns:a16="http://schemas.microsoft.com/office/drawing/2014/main" id="{5680D3AD-DC31-F689-B763-26C68AA94B61}"/>
+              </a:ext>
+            </a:extLst>
+          </p:cNvPr>
+          <p:cNvPicPr>
+            <a:picLocks noChangeAspect="1" noChangeArrowheads="1"/>
+          </p:cNvPicPr>
+          <p:nvPr/>
+        </p:nvPicPr>
+        <p:blipFill>
+          <a:blip r:embed="rId4">
+            <a:extLst>
+              <a:ext uri="{28A0092B-C50C-407E-A947-70E740481C1C}">
+                <a14:useLocalDpi xmlns:a14="http://schemas.microsoft.com/office/drawing/2010/main" val="0"/>
+              </a:ext>
+            </a:extLst>
+          </a:blip>
+          <a:srcRect/>
+          <a:stretch>
+            <a:fillRect/>
+          </a:stretch>
+        </p:blipFill>
+        <p:spPr bwMode="auto">
+          <a:xfrm flipH="1">
+            <a:off x="6184948" y="8098895"/>
+            <a:ext cx="234243" cy="234243"/>
+          </a:xfrm>
+          <a:prstGeom prst="rect">
+            <a:avLst/>
+          </a:prstGeom>
+          <a:noFill/>
+          <a:extLst>
+            <a:ext uri="{909E8E84-426E-40DD-AFC4-6F175D3DCCD1}">
+              <a14:hiddenFill xmlns:a14="http://schemas.microsoft.com/office/drawing/2010/main">
+                <a:solidFill>
+                  <a:srgbClr val="FFFFFF"/>
+                </a:solidFill>
+              </a14:hiddenFill>
+            </a:ext>
+          </a:extLst>
+        </p:spPr>
+      </p:pic>
+      <p:sp>
+        <p:nvSpPr>
+          <p:cNvPr id="1039" name="Rectangle 12">
+            <a:extLst>
+              <a:ext uri="{FF2B5EF4-FFF2-40B4-BE49-F238E27FC236}">
+                <a16:creationId xmlns:a16="http://schemas.microsoft.com/office/drawing/2014/main" id="{115CE11B-6D17-007F-9FDC-6CB0F17E747F}"/>
+              </a:ext>
+            </a:extLst>
+          </p:cNvPr>
+          <p:cNvSpPr>
+            <a:spLocks noChangeArrowheads="1"/>
+          </p:cNvSpPr>
+          <p:nvPr/>
+        </p:nvSpPr>
+        <p:spPr bwMode="auto">
+          <a:xfrm>
+            <a:off x="-55117" y="-403901"/>
+            <a:ext cx="12988039" cy="821162"/>
+          </a:xfrm>
+          <a:prstGeom prst="rect">
+            <a:avLst/>
+          </a:prstGeom>
+          <a:noFill/>
+          <a:ln>
+            <a:noFill/>
+          </a:ln>
+          <a:effectLst/>
+          <a:extLst>
+            <a:ext uri="{909E8E84-426E-40DD-AFC4-6F175D3DCCD1}">
+              <a14:hiddenFill xmlns:a14="http://schemas.microsoft.com/office/drawing/2010/main">
+                <a:solidFill>
+                  <a:schemeClr val="accent1"/>
+                </a:solidFill>
+              </a14:hiddenFill>
+            </a:ext>
+            <a:ext uri="{91240B29-F687-4F45-9708-019B960494DF}">
+              <a14:hiddenLine xmlns:a14="http://schemas.microsoft.com/office/drawing/2010/main" w="9525">
+                <a:solidFill>
+                  <a:schemeClr val="tx1"/>
+                </a:solidFill>
+                <a:miter lim="800000"/>
+                <a:headEnd/>
+                <a:tailEnd/>
+              </a14:hiddenLine>
+            </a:ext>
+            <a:ext uri="{AF507438-7753-43E0-B8FC-AC1667EBCBE1}">
+              <a14:hiddenEffects xmlns:a14="http://schemas.microsoft.com/office/drawing/2010/main">
+                <a:effectLst>
+                  <a:outerShdw dist="35921" dir="2700000" algn="ctr" rotWithShape="0">
+                    <a:schemeClr val="bg2"/>
+                  </a:outerShdw>
+                </a:effectLst>
+              </a14:hiddenEffects>
+            </a:ext>
+          </a:extLst>
+        </p:spPr>
+        <p:txBody>
+          <a:bodyPr vert="horz" wrap="square" lIns="91440" tIns="45720" rIns="91440" bIns="45720" numCol="1" anchor="ctr" anchorCtr="0" compatLnSpc="1">
+            <a:prstTxWarp prst="textNoShape">
+              <a:avLst/>
+            </a:prstTxWarp>
+            <a:spAutoFit/>
+          </a:bodyPr>
+          <a:lstStyle/>
+          <a:p>
+            <a:endParaRPr lang="ko-KR" altLang="en-US"/>
+          </a:p>
+        </p:txBody>
+      </p:sp>
+      <p:pic>
+        <p:nvPicPr>
+          <p:cNvPr id="11" name="그림 10">
+            <a:extLst>
+              <a:ext uri="{FF2B5EF4-FFF2-40B4-BE49-F238E27FC236}">
+                <a16:creationId xmlns:a16="http://schemas.microsoft.com/office/drawing/2014/main" id="{50F738D4-38C6-BA56-215E-E73270440920}"/>
+              </a:ext>
+            </a:extLst>
+          </p:cNvPr>
+          <p:cNvPicPr>
+            <a:picLocks noChangeAspect="1"/>
+          </p:cNvPicPr>
+          <p:nvPr/>
+        </p:nvPicPr>
+        <p:blipFill>
+          <a:blip r:embed="rId9"/>
+          <a:stretch>
+            <a:fillRect/>
+          </a:stretch>
+        </p:blipFill>
+        <p:spPr>
+          <a:xfrm>
+            <a:off x="837473" y="1148426"/>
+            <a:ext cx="4870938" cy="1035103"/>
+          </a:xfrm>
+          <a:prstGeom prst="rect">
+            <a:avLst/>
+          </a:prstGeom>
+        </p:spPr>
+      </p:pic>
+    </p:spTree>
+    <p:extLst>
+      <p:ext uri="{BB962C8B-B14F-4D97-AF65-F5344CB8AC3E}">
+        <p14:creationId xmlns:p14="http://schemas.microsoft.com/office/powerpoint/2010/main" val="2718250043"/>
+      </p:ext>
+    </p:extLst>
+  </p:cSld>
+  <p:clrMapOvr>
+    <a:masterClrMapping/>
+  </p:clrMapOvr>
+</p:sld>
+</file>
+
+<file path=ppt/slides/slide3.xml><?xml version="1.0" encoding="utf-8"?>
 <p:sld xmlns:a="http://schemas.openxmlformats.org/drawingml/2006/main" xmlns:r="http://schemas.openxmlformats.org/officeDocument/2006/relationships" xmlns:p="http://schemas.openxmlformats.org/presentationml/2006/main">
   <p:cSld>
     <p:spTree>

--- a/문서/화면 설계서 정의/메인페이지 강지수.pptx
+++ b/문서/화면 설계서 정의/메인페이지 강지수.pptx
@@ -3639,143 +3639,6 @@
       </p:grpSpPr>
       <p:sp>
         <p:nvSpPr>
-          <p:cNvPr id="24" name="사각형: 둥근 모서리 23">
-            <a:extLst>
-              <a:ext uri="{FF2B5EF4-FFF2-40B4-BE49-F238E27FC236}">
-                <a16:creationId xmlns:a16="http://schemas.microsoft.com/office/drawing/2014/main" id="{88E5A211-1268-895C-CD98-27AF999ECBE9}"/>
-              </a:ext>
-            </a:extLst>
-          </p:cNvPr>
-          <p:cNvSpPr/>
-          <p:nvPr/>
-        </p:nvSpPr>
-        <p:spPr>
-          <a:xfrm>
-            <a:off x="621636" y="3269097"/>
-            <a:ext cx="2798378" cy="1574340"/>
-          </a:xfrm>
-          <a:prstGeom prst="roundRect">
-            <a:avLst>
-              <a:gd name="adj" fmla="val 13717"/>
-            </a:avLst>
-          </a:prstGeom>
-        </p:spPr>
-        <p:style>
-          <a:lnRef idx="2">
-            <a:schemeClr val="dk1"/>
-          </a:lnRef>
-          <a:fillRef idx="1">
-            <a:schemeClr val="lt1"/>
-          </a:fillRef>
-          <a:effectRef idx="0">
-            <a:schemeClr val="dk1"/>
-          </a:effectRef>
-          <a:fontRef idx="minor">
-            <a:schemeClr val="dk1"/>
-          </a:fontRef>
-        </p:style>
-        <p:txBody>
-          <a:bodyPr rtlCol="0" anchor="ctr"/>
-          <a:lstStyle/>
-          <a:p>
-            <a:r>
-              <a:rPr lang="en-US" altLang="ko-KR" sz="1000" dirty="0"/>
-              <a:t>1</a:t>
-            </a:r>
-            <a:r>
-              <a:rPr lang="ko-KR" altLang="en-US" sz="1000" dirty="0"/>
-              <a:t>번 </a:t>
-            </a:r>
-            <a:r>
-              <a:rPr lang="en-US" altLang="ko-KR" sz="1000" dirty="0"/>
-              <a:t>| </a:t>
-            </a:r>
-            <a:r>
-              <a:rPr lang="ko-KR" altLang="en-US" sz="1000" dirty="0" err="1"/>
-              <a:t>랙돌</a:t>
-            </a:r>
-            <a:r>
-              <a:rPr lang="ko-KR" altLang="en-US" sz="1000" dirty="0"/>
-              <a:t> </a:t>
-            </a:r>
-            <a:r>
-              <a:rPr lang="en-US" altLang="ko-KR" sz="1000" dirty="0"/>
-              <a:t>		</a:t>
-            </a:r>
-            <a:r>
-              <a:rPr lang="ko-KR" altLang="en-US" sz="1000" dirty="0"/>
-              <a:t>작성자 </a:t>
-            </a:r>
-            <a:r>
-              <a:rPr lang="en-US" altLang="ko-KR" sz="1000" dirty="0"/>
-              <a:t>: </a:t>
-            </a:r>
-            <a:r>
-              <a:rPr lang="ko-KR" altLang="en-US" sz="1000" dirty="0" err="1"/>
-              <a:t>정예빈</a:t>
-            </a:r>
-            <a:r>
-              <a:rPr lang="ko-KR" altLang="en-US" sz="1000" dirty="0"/>
-              <a:t> </a:t>
-            </a:r>
-            <a:endParaRPr lang="en-US" altLang="ko-KR" sz="1000" dirty="0"/>
-          </a:p>
-          <a:p>
-            <a:endParaRPr lang="en-US" altLang="ko-KR" sz="1300" dirty="0"/>
-          </a:p>
-          <a:p>
-            <a:pPr algn="ctr"/>
-            <a:endParaRPr lang="en-US" altLang="ko-KR" dirty="0"/>
-          </a:p>
-          <a:p>
-            <a:pPr algn="ctr"/>
-            <a:endParaRPr lang="en-US" altLang="ko-KR" dirty="0"/>
-          </a:p>
-          <a:p>
-            <a:endParaRPr lang="en-US" altLang="ko-KR" dirty="0"/>
-          </a:p>
-          <a:p>
-            <a:r>
-              <a:rPr lang="ko-KR" altLang="en-US" sz="1000" dirty="0"/>
-              <a:t>일상 </a:t>
-            </a:r>
-            <a:r>
-              <a:rPr lang="en-US" altLang="ko-KR" sz="1000" dirty="0"/>
-              <a:t>| 25.09.19 | 11</a:t>
-            </a:r>
-            <a:r>
-              <a:rPr lang="ko-KR" altLang="en-US" sz="1000" dirty="0"/>
-              <a:t>명  </a:t>
-            </a:r>
-            <a:endParaRPr lang="en-US" altLang="ko-KR" sz="1000" dirty="0"/>
-          </a:p>
-          <a:p>
-            <a:r>
-              <a:rPr lang="en-US" altLang="ko-KR" sz="800" dirty="0"/>
-              <a:t>#</a:t>
-            </a:r>
-            <a:r>
-              <a:rPr lang="ko-KR" altLang="en-US" sz="800" dirty="0" err="1"/>
-              <a:t>랙돌</a:t>
-            </a:r>
-            <a:r>
-              <a:rPr lang="ko-KR" altLang="en-US" sz="800" dirty="0"/>
-              <a:t> </a:t>
-            </a:r>
-            <a:r>
-              <a:rPr lang="en-US" altLang="ko-KR" sz="800" dirty="0"/>
-              <a:t>#</a:t>
-            </a:r>
-            <a:r>
-              <a:rPr lang="ko-KR" altLang="en-US" sz="800" dirty="0"/>
-              <a:t>귀여워</a:t>
-            </a:r>
-            <a:endParaRPr lang="en-US" altLang="ko-KR" sz="800" dirty="0"/>
-          </a:p>
-        </p:txBody>
-      </p:sp>
-      <p:sp>
-        <p:nvSpPr>
           <p:cNvPr id="12" name="사각형: 둥근 모서리 11">
             <a:extLst>
               <a:ext uri="{FF2B5EF4-FFF2-40B4-BE49-F238E27FC236}">
@@ -5074,7 +4937,7 @@
             </a:r>
             <a:r>
               <a:rPr lang="ko-KR" altLang="en-US" sz="1000" dirty="0"/>
-              <a:t> 작성자 </a:t>
+              <a:t>      작성자 </a:t>
             </a:r>
             <a:r>
               <a:rPr lang="en-US" altLang="ko-KR" sz="1000" dirty="0"/>
@@ -5301,192 +5164,6 @@
           </a:p>
         </p:txBody>
       </p:sp>
-      <p:pic>
-        <p:nvPicPr>
-          <p:cNvPr id="1026" name="Picture 2" descr="애니멀봐 : 나는 태어난 지 4개월 된 랙돌 새끼다 [애니멀봐 나새끼 110호] : SBS">
-            <a:extLst>
-              <a:ext uri="{FF2B5EF4-FFF2-40B4-BE49-F238E27FC236}">
-                <a16:creationId xmlns:a16="http://schemas.microsoft.com/office/drawing/2014/main" id="{3D4C64F8-D7F4-5B6B-8E22-22D0AC7CC8C4}"/>
-              </a:ext>
-            </a:extLst>
-          </p:cNvPr>
-          <p:cNvPicPr>
-            <a:picLocks noChangeAspect="1" noChangeArrowheads="1"/>
-          </p:cNvPicPr>
-          <p:nvPr/>
-        </p:nvPicPr>
-        <p:blipFill>
-          <a:blip r:embed="rId8">
-            <a:extLst>
-              <a:ext uri="{28A0092B-C50C-407E-A947-70E740481C1C}">
-                <a14:useLocalDpi xmlns:a14="http://schemas.microsoft.com/office/drawing/2010/main" val="0"/>
-              </a:ext>
-            </a:extLst>
-          </a:blip>
-          <a:srcRect/>
-          <a:stretch>
-            <a:fillRect/>
-          </a:stretch>
-        </p:blipFill>
-        <p:spPr bwMode="auto">
-          <a:xfrm>
-            <a:off x="961698" y="3514967"/>
-            <a:ext cx="1937173" cy="983192"/>
-          </a:xfrm>
-          <a:prstGeom prst="rect">
-            <a:avLst/>
-          </a:prstGeom>
-          <a:noFill/>
-          <a:extLst>
-            <a:ext uri="{909E8E84-426E-40DD-AFC4-6F175D3DCCD1}">
-              <a14:hiddenFill xmlns:a14="http://schemas.microsoft.com/office/drawing/2010/main">
-                <a:solidFill>
-                  <a:srgbClr val="FFFFFF"/>
-                </a:solidFill>
-              </a14:hiddenFill>
-            </a:ext>
-          </a:extLst>
-        </p:spPr>
-      </p:pic>
-      <p:sp>
-        <p:nvSpPr>
-          <p:cNvPr id="35" name="사각형: 둥근 모서리 34">
-            <a:extLst>
-              <a:ext uri="{FF2B5EF4-FFF2-40B4-BE49-F238E27FC236}">
-                <a16:creationId xmlns:a16="http://schemas.microsoft.com/office/drawing/2014/main" id="{1D3D96B1-C3CA-D266-1198-816F5905D833}"/>
-              </a:ext>
-            </a:extLst>
-          </p:cNvPr>
-          <p:cNvSpPr/>
-          <p:nvPr/>
-        </p:nvSpPr>
-        <p:spPr>
-          <a:xfrm>
-            <a:off x="2004223" y="4628483"/>
-            <a:ext cx="453511" cy="166042"/>
-          </a:xfrm>
-          <a:prstGeom prst="roundRect">
-            <a:avLst/>
-          </a:prstGeom>
-        </p:spPr>
-        <p:style>
-          <a:lnRef idx="2">
-            <a:schemeClr val="dk1"/>
-          </a:lnRef>
-          <a:fillRef idx="1">
-            <a:schemeClr val="lt1"/>
-          </a:fillRef>
-          <a:effectRef idx="0">
-            <a:schemeClr val="dk1"/>
-          </a:effectRef>
-          <a:fontRef idx="minor">
-            <a:schemeClr val="dk1"/>
-          </a:fontRef>
-        </p:style>
-        <p:txBody>
-          <a:bodyPr rtlCol="0" anchor="ctr"/>
-          <a:lstStyle/>
-          <a:p>
-            <a:r>
-              <a:rPr lang="ko-KR" altLang="en-US" sz="1000" dirty="0"/>
-              <a:t>수정</a:t>
-            </a:r>
-          </a:p>
-        </p:txBody>
-      </p:sp>
-      <p:sp>
-        <p:nvSpPr>
-          <p:cNvPr id="36" name="사각형: 둥근 모서리 35">
-            <a:extLst>
-              <a:ext uri="{FF2B5EF4-FFF2-40B4-BE49-F238E27FC236}">
-                <a16:creationId xmlns:a16="http://schemas.microsoft.com/office/drawing/2014/main" id="{9167CF38-30F2-33BD-D8DD-844EBDF43DCA}"/>
-              </a:ext>
-            </a:extLst>
-          </p:cNvPr>
-          <p:cNvSpPr/>
-          <p:nvPr/>
-        </p:nvSpPr>
-        <p:spPr>
-          <a:xfrm>
-            <a:off x="2501434" y="4629926"/>
-            <a:ext cx="453511" cy="166042"/>
-          </a:xfrm>
-          <a:prstGeom prst="roundRect">
-            <a:avLst/>
-          </a:prstGeom>
-        </p:spPr>
-        <p:style>
-          <a:lnRef idx="2">
-            <a:schemeClr val="dk1"/>
-          </a:lnRef>
-          <a:fillRef idx="1">
-            <a:schemeClr val="lt1"/>
-          </a:fillRef>
-          <a:effectRef idx="0">
-            <a:schemeClr val="dk1"/>
-          </a:effectRef>
-          <a:fontRef idx="minor">
-            <a:schemeClr val="dk1"/>
-          </a:fontRef>
-        </p:style>
-        <p:txBody>
-          <a:bodyPr rtlCol="0" anchor="ctr"/>
-          <a:lstStyle/>
-          <a:p>
-            <a:r>
-              <a:rPr lang="ko-KR" altLang="en-US" sz="1000" dirty="0"/>
-              <a:t>삭제</a:t>
-            </a:r>
-          </a:p>
-        </p:txBody>
-      </p:sp>
-      <p:pic>
-        <p:nvPicPr>
-          <p:cNvPr id="39" name="Picture 34" descr="심장 ">
-            <a:extLst>
-              <a:ext uri="{FF2B5EF4-FFF2-40B4-BE49-F238E27FC236}">
-                <a16:creationId xmlns:a16="http://schemas.microsoft.com/office/drawing/2014/main" id="{469978D6-562A-55CA-E387-A16F5F6D25A9}"/>
-              </a:ext>
-            </a:extLst>
-          </p:cNvPr>
-          <p:cNvPicPr>
-            <a:picLocks noChangeAspect="1" noChangeArrowheads="1"/>
-          </p:cNvPicPr>
-          <p:nvPr/>
-        </p:nvPicPr>
-        <p:blipFill>
-          <a:blip r:embed="rId4">
-            <a:extLst>
-              <a:ext uri="{28A0092B-C50C-407E-A947-70E740481C1C}">
-                <a14:useLocalDpi xmlns:a14="http://schemas.microsoft.com/office/drawing/2010/main" val="0"/>
-              </a:ext>
-            </a:extLst>
-          </a:blip>
-          <a:srcRect/>
-          <a:stretch>
-            <a:fillRect/>
-          </a:stretch>
-        </p:blipFill>
-        <p:spPr bwMode="auto">
-          <a:xfrm flipH="1">
-            <a:off x="2996822" y="4582838"/>
-            <a:ext cx="234243" cy="234243"/>
-          </a:xfrm>
-          <a:prstGeom prst="rect">
-            <a:avLst/>
-          </a:prstGeom>
-          <a:noFill/>
-          <a:extLst>
-            <a:ext uri="{909E8E84-426E-40DD-AFC4-6F175D3DCCD1}">
-              <a14:hiddenFill xmlns:a14="http://schemas.microsoft.com/office/drawing/2010/main">
-                <a:solidFill>
-                  <a:srgbClr val="FFFFFF"/>
-                </a:solidFill>
-              </a14:hiddenFill>
-            </a:ext>
-          </a:extLst>
-        </p:spPr>
-      </p:pic>
       <p:sp>
         <p:nvSpPr>
           <p:cNvPr id="51" name="사각형: 둥근 모서리 50">
@@ -6126,23 +5803,23 @@
           </p:cNvPicPr>
           <p:nvPr/>
         </p:nvPicPr>
-        <p:blipFill>
-          <a:blip r:embed="rId9">
+        <p:blipFill rotWithShape="1">
+          <a:blip r:embed="rId8">
             <a:extLst>
               <a:ext uri="{28A0092B-C50C-407E-A947-70E740481C1C}">
                 <a14:useLocalDpi xmlns:a14="http://schemas.microsoft.com/office/drawing/2010/main" val="0"/>
               </a:ext>
             </a:extLst>
           </a:blip>
-          <a:srcRect l="525" t="4782" r="374" b="87331"/>
+          <a:srcRect l="525" t="4782" r="1044" b="87331"/>
           <a:stretch>
             <a:fillRect/>
           </a:stretch>
         </p:blipFill>
         <p:spPr bwMode="auto">
           <a:xfrm>
-            <a:off x="-31864" y="287557"/>
-            <a:ext cx="6861450" cy="577421"/>
+            <a:off x="-55117" y="287557"/>
+            <a:ext cx="6913117" cy="577421"/>
           </a:xfrm>
           <a:prstGeom prst="rect">
             <a:avLst/>
@@ -6174,14 +5851,14 @@
           <p:nvPr/>
         </p:nvPicPr>
         <p:blipFill>
-          <a:blip r:embed="rId10"/>
+          <a:blip r:embed="rId9"/>
           <a:stretch>
             <a:fillRect/>
           </a:stretch>
         </p:blipFill>
         <p:spPr>
           <a:xfrm>
-            <a:off x="837473" y="1148426"/>
+            <a:off x="993531" y="1142308"/>
             <a:ext cx="4870938" cy="1035103"/>
           </a:xfrm>
           <a:prstGeom prst="rect">
@@ -6189,6 +5866,329 @@
           </a:prstGeom>
         </p:spPr>
       </p:pic>
+      <p:sp>
+        <p:nvSpPr>
+          <p:cNvPr id="24" name="사각형: 둥근 모서리 23">
+            <a:extLst>
+              <a:ext uri="{FF2B5EF4-FFF2-40B4-BE49-F238E27FC236}">
+                <a16:creationId xmlns:a16="http://schemas.microsoft.com/office/drawing/2014/main" id="{88E5A211-1268-895C-CD98-27AF999ECBE9}"/>
+              </a:ext>
+            </a:extLst>
+          </p:cNvPr>
+          <p:cNvSpPr/>
+          <p:nvPr/>
+        </p:nvSpPr>
+        <p:spPr>
+          <a:xfrm>
+            <a:off x="621636" y="3269097"/>
+            <a:ext cx="2798378" cy="1574340"/>
+          </a:xfrm>
+          <a:prstGeom prst="roundRect">
+            <a:avLst>
+              <a:gd name="adj" fmla="val 13717"/>
+            </a:avLst>
+          </a:prstGeom>
+        </p:spPr>
+        <p:style>
+          <a:lnRef idx="2">
+            <a:schemeClr val="dk1"/>
+          </a:lnRef>
+          <a:fillRef idx="1">
+            <a:schemeClr val="lt1"/>
+          </a:fillRef>
+          <a:effectRef idx="0">
+            <a:schemeClr val="dk1"/>
+          </a:effectRef>
+          <a:fontRef idx="minor">
+            <a:schemeClr val="dk1"/>
+          </a:fontRef>
+        </p:style>
+        <p:txBody>
+          <a:bodyPr rtlCol="0" anchor="ctr"/>
+          <a:lstStyle/>
+          <a:p>
+            <a:r>
+              <a:rPr lang="en-US" altLang="ko-KR" sz="1000" dirty="0"/>
+              <a:t>1</a:t>
+            </a:r>
+            <a:r>
+              <a:rPr lang="ko-KR" altLang="en-US" sz="1000" dirty="0"/>
+              <a:t>번 </a:t>
+            </a:r>
+            <a:r>
+              <a:rPr lang="en-US" altLang="ko-KR" sz="1000" dirty="0"/>
+              <a:t>| </a:t>
+            </a:r>
+            <a:r>
+              <a:rPr lang="ko-KR" altLang="en-US" sz="1000" dirty="0" err="1"/>
+              <a:t>랙돌</a:t>
+            </a:r>
+            <a:r>
+              <a:rPr lang="ko-KR" altLang="en-US" sz="1000" dirty="0"/>
+              <a:t> </a:t>
+            </a:r>
+            <a:r>
+              <a:rPr lang="en-US" altLang="ko-KR" sz="1000" dirty="0"/>
+              <a:t>		</a:t>
+            </a:r>
+            <a:r>
+              <a:rPr lang="ko-KR" altLang="en-US" sz="1000" dirty="0"/>
+              <a:t>작성자 </a:t>
+            </a:r>
+            <a:r>
+              <a:rPr lang="en-US" altLang="ko-KR" sz="1000" dirty="0"/>
+              <a:t>: </a:t>
+            </a:r>
+            <a:r>
+              <a:rPr lang="ko-KR" altLang="en-US" sz="1000" dirty="0" err="1"/>
+              <a:t>정예빈</a:t>
+            </a:r>
+            <a:r>
+              <a:rPr lang="ko-KR" altLang="en-US" sz="1000" dirty="0"/>
+              <a:t> </a:t>
+            </a:r>
+            <a:endParaRPr lang="en-US" altLang="ko-KR" sz="1000" dirty="0"/>
+          </a:p>
+          <a:p>
+            <a:endParaRPr lang="en-US" altLang="ko-KR" sz="1300" dirty="0"/>
+          </a:p>
+          <a:p>
+            <a:pPr algn="ctr"/>
+            <a:endParaRPr lang="en-US" altLang="ko-KR" dirty="0"/>
+          </a:p>
+          <a:p>
+            <a:pPr algn="ctr"/>
+            <a:endParaRPr lang="en-US" altLang="ko-KR" dirty="0"/>
+          </a:p>
+          <a:p>
+            <a:endParaRPr lang="en-US" altLang="ko-KR" dirty="0"/>
+          </a:p>
+          <a:p>
+            <a:r>
+              <a:rPr lang="ko-KR" altLang="en-US" sz="1000" dirty="0"/>
+              <a:t>일상 </a:t>
+            </a:r>
+            <a:r>
+              <a:rPr lang="en-US" altLang="ko-KR" sz="1000" dirty="0"/>
+              <a:t>| 25.09.19 | 11</a:t>
+            </a:r>
+            <a:r>
+              <a:rPr lang="ko-KR" altLang="en-US" sz="1000" dirty="0"/>
+              <a:t>명  </a:t>
+            </a:r>
+            <a:endParaRPr lang="en-US" altLang="ko-KR" sz="1000" dirty="0"/>
+          </a:p>
+          <a:p>
+            <a:r>
+              <a:rPr lang="en-US" altLang="ko-KR" sz="800" dirty="0"/>
+              <a:t>#</a:t>
+            </a:r>
+            <a:r>
+              <a:rPr lang="ko-KR" altLang="en-US" sz="800" dirty="0" err="1"/>
+              <a:t>랙돌</a:t>
+            </a:r>
+            <a:r>
+              <a:rPr lang="ko-KR" altLang="en-US" sz="800" dirty="0"/>
+              <a:t> </a:t>
+            </a:r>
+            <a:r>
+              <a:rPr lang="en-US" altLang="ko-KR" sz="800" dirty="0"/>
+              <a:t>#</a:t>
+            </a:r>
+            <a:r>
+              <a:rPr lang="ko-KR" altLang="en-US" sz="800" dirty="0"/>
+              <a:t>귀여워</a:t>
+            </a:r>
+            <a:endParaRPr lang="en-US" altLang="ko-KR" sz="800" dirty="0"/>
+          </a:p>
+        </p:txBody>
+      </p:sp>
+      <p:pic>
+        <p:nvPicPr>
+          <p:cNvPr id="39" name="Picture 34" descr="심장 ">
+            <a:extLst>
+              <a:ext uri="{FF2B5EF4-FFF2-40B4-BE49-F238E27FC236}">
+                <a16:creationId xmlns:a16="http://schemas.microsoft.com/office/drawing/2014/main" id="{469978D6-562A-55CA-E387-A16F5F6D25A9}"/>
+              </a:ext>
+            </a:extLst>
+          </p:cNvPr>
+          <p:cNvPicPr>
+            <a:picLocks noChangeAspect="1" noChangeArrowheads="1"/>
+          </p:cNvPicPr>
+          <p:nvPr/>
+        </p:nvPicPr>
+        <p:blipFill>
+          <a:blip r:embed="rId4">
+            <a:extLst>
+              <a:ext uri="{28A0092B-C50C-407E-A947-70E740481C1C}">
+                <a14:useLocalDpi xmlns:a14="http://schemas.microsoft.com/office/drawing/2010/main" val="0"/>
+              </a:ext>
+            </a:extLst>
+          </a:blip>
+          <a:srcRect/>
+          <a:stretch>
+            <a:fillRect/>
+          </a:stretch>
+        </p:blipFill>
+        <p:spPr bwMode="auto">
+          <a:xfrm flipH="1">
+            <a:off x="3078942" y="4566942"/>
+            <a:ext cx="234243" cy="234243"/>
+          </a:xfrm>
+          <a:prstGeom prst="rect">
+            <a:avLst/>
+          </a:prstGeom>
+          <a:noFill/>
+          <a:extLst>
+            <a:ext uri="{909E8E84-426E-40DD-AFC4-6F175D3DCCD1}">
+              <a14:hiddenFill xmlns:a14="http://schemas.microsoft.com/office/drawing/2010/main">
+                <a:solidFill>
+                  <a:srgbClr val="FFFFFF"/>
+                </a:solidFill>
+              </a14:hiddenFill>
+            </a:ext>
+          </a:extLst>
+        </p:spPr>
+      </p:pic>
+      <p:pic>
+        <p:nvPicPr>
+          <p:cNvPr id="1026" name="Picture 2" descr="애니멀봐 : 나는 태어난 지 4개월 된 랙돌 새끼다 [애니멀봐 나새끼 110호] : SBS">
+            <a:extLst>
+              <a:ext uri="{FF2B5EF4-FFF2-40B4-BE49-F238E27FC236}">
+                <a16:creationId xmlns:a16="http://schemas.microsoft.com/office/drawing/2014/main" id="{3D4C64F8-D7F4-5B6B-8E22-22D0AC7CC8C4}"/>
+              </a:ext>
+            </a:extLst>
+          </p:cNvPr>
+          <p:cNvPicPr>
+            <a:picLocks noChangeAspect="1" noChangeArrowheads="1"/>
+          </p:cNvPicPr>
+          <p:nvPr/>
+        </p:nvPicPr>
+        <p:blipFill>
+          <a:blip r:embed="rId10">
+            <a:extLst>
+              <a:ext uri="{28A0092B-C50C-407E-A947-70E740481C1C}">
+                <a14:useLocalDpi xmlns:a14="http://schemas.microsoft.com/office/drawing/2010/main" val="0"/>
+              </a:ext>
+            </a:extLst>
+          </a:blip>
+          <a:srcRect/>
+          <a:stretch>
+            <a:fillRect/>
+          </a:stretch>
+        </p:blipFill>
+        <p:spPr bwMode="auto">
+          <a:xfrm>
+            <a:off x="961698" y="3514967"/>
+            <a:ext cx="1937173" cy="983192"/>
+          </a:xfrm>
+          <a:prstGeom prst="rect">
+            <a:avLst/>
+          </a:prstGeom>
+          <a:noFill/>
+          <a:extLst>
+            <a:ext uri="{909E8E84-426E-40DD-AFC4-6F175D3DCCD1}">
+              <a14:hiddenFill xmlns:a14="http://schemas.microsoft.com/office/drawing/2010/main">
+                <a:solidFill>
+                  <a:srgbClr val="FFFFFF"/>
+                </a:solidFill>
+              </a14:hiddenFill>
+            </a:ext>
+          </a:extLst>
+        </p:spPr>
+      </p:pic>
+      <p:sp>
+        <p:nvSpPr>
+          <p:cNvPr id="13" name="사각형: 둥근 모서리 12">
+            <a:extLst>
+              <a:ext uri="{FF2B5EF4-FFF2-40B4-BE49-F238E27FC236}">
+                <a16:creationId xmlns:a16="http://schemas.microsoft.com/office/drawing/2014/main" id="{A694E77A-B41F-EF41-5EE7-ED3880422BAD}"/>
+              </a:ext>
+            </a:extLst>
+          </p:cNvPr>
+          <p:cNvSpPr/>
+          <p:nvPr/>
+        </p:nvSpPr>
+        <p:spPr>
+          <a:xfrm>
+            <a:off x="2583026" y="4604011"/>
+            <a:ext cx="453511" cy="166042"/>
+          </a:xfrm>
+          <a:prstGeom prst="roundRect">
+            <a:avLst/>
+          </a:prstGeom>
+        </p:spPr>
+        <p:style>
+          <a:lnRef idx="2">
+            <a:schemeClr val="dk1"/>
+          </a:lnRef>
+          <a:fillRef idx="1">
+            <a:schemeClr val="lt1"/>
+          </a:fillRef>
+          <a:effectRef idx="0">
+            <a:schemeClr val="dk1"/>
+          </a:effectRef>
+          <a:fontRef idx="minor">
+            <a:schemeClr val="dk1"/>
+          </a:fontRef>
+        </p:style>
+        <p:txBody>
+          <a:bodyPr rtlCol="0" anchor="ctr"/>
+          <a:lstStyle/>
+          <a:p>
+            <a:r>
+              <a:rPr lang="ko-KR" altLang="en-US" sz="1000" dirty="0"/>
+              <a:t>삭제</a:t>
+            </a:r>
+          </a:p>
+        </p:txBody>
+      </p:sp>
+      <p:sp>
+        <p:nvSpPr>
+          <p:cNvPr id="14" name="사각형: 둥근 모서리 13">
+            <a:extLst>
+              <a:ext uri="{FF2B5EF4-FFF2-40B4-BE49-F238E27FC236}">
+                <a16:creationId xmlns:a16="http://schemas.microsoft.com/office/drawing/2014/main" id="{4861722C-B1F6-E3CE-A0A6-FB228782B84C}"/>
+              </a:ext>
+            </a:extLst>
+          </p:cNvPr>
+          <p:cNvSpPr/>
+          <p:nvPr/>
+        </p:nvSpPr>
+        <p:spPr>
+          <a:xfrm>
+            <a:off x="2089800" y="4601043"/>
+            <a:ext cx="453511" cy="166042"/>
+          </a:xfrm>
+          <a:prstGeom prst="roundRect">
+            <a:avLst/>
+          </a:prstGeom>
+        </p:spPr>
+        <p:style>
+          <a:lnRef idx="2">
+            <a:schemeClr val="dk1"/>
+          </a:lnRef>
+          <a:fillRef idx="1">
+            <a:schemeClr val="lt1"/>
+          </a:fillRef>
+          <a:effectRef idx="0">
+            <a:schemeClr val="dk1"/>
+          </a:effectRef>
+          <a:fontRef idx="minor">
+            <a:schemeClr val="dk1"/>
+          </a:fontRef>
+        </p:style>
+        <p:txBody>
+          <a:bodyPr rtlCol="0" anchor="ctr"/>
+          <a:lstStyle/>
+          <a:p>
+            <a:r>
+              <a:rPr lang="ko-KR" altLang="en-US" sz="1000" dirty="0"/>
+              <a:t>수정</a:t>
+            </a:r>
+          </a:p>
+        </p:txBody>
+      </p:sp>
     </p:spTree>
     <p:extLst>
       <p:ext uri="{BB962C8B-B14F-4D97-AF65-F5344CB8AC3E}">
@@ -6475,8 +6475,8 @@
         </p:nvSpPr>
         <p:spPr>
           <a:xfrm>
-            <a:off x="2348965" y="433521"/>
-            <a:ext cx="2563522" cy="369332"/>
+            <a:off x="1693410" y="416193"/>
+            <a:ext cx="3592650" cy="369332"/>
           </a:xfrm>
           <a:prstGeom prst="rect">
             <a:avLst/>
@@ -6499,7 +6499,7 @@
             </a:r>
             <a:r>
               <a:rPr lang="ko-KR" altLang="en-US" dirty="0"/>
-              <a:t>관리자 페이지</a:t>
+              <a:t>게시글 삭제 이력 페이지</a:t>
             </a:r>
           </a:p>
         </p:txBody>
@@ -8722,7 +8722,7 @@
         </p:blipFill>
         <p:spPr>
           <a:xfrm>
-            <a:off x="837473" y="1148426"/>
+            <a:off x="911901" y="1198663"/>
             <a:ext cx="4870938" cy="1035103"/>
           </a:xfrm>
           <a:prstGeom prst="rect">
